--- a/presentation/Презентация № 3 Excellent's_Flocktory.pptx
+++ b/presentation/Презентация № 3 Excellent's_Flocktory.pptx
@@ -126,7 +126,7 @@
   </p:defaultTextStyle>
   <p:extLst>
     <p:ext uri="{EFAFB233-063F-42B5-8137-9DF3F51BA10A}">
-      <p15:sldGuideLst xmlns:p15="http://schemas.microsoft.com/office/powerpoint/2012/main" xmlns="">
+      <p15:sldGuideLst xmlns:p15="http://schemas.microsoft.com/office/powerpoint/2012/main">
         <p15:guide id="1" orient="horz" pos="1616" userDrawn="1">
           <p15:clr>
             <a:srgbClr val="A4A3A4"/>
@@ -1971,7 +1971,7 @@
 </file>
 
 <file path=ppt/charts/chart1.xml><?xml version="1.0" encoding="utf-8"?>
-<c:chartSpace xmlns:c="http://schemas.openxmlformats.org/drawingml/2006/chart" xmlns:a="http://schemas.openxmlformats.org/drawingml/2006/main" xmlns:r="http://schemas.openxmlformats.org/officeDocument/2006/relationships">
+<c:chartSpace xmlns:c="http://schemas.openxmlformats.org/drawingml/2006/chart" xmlns:a="http://schemas.openxmlformats.org/drawingml/2006/main" xmlns:r="http://schemas.openxmlformats.org/officeDocument/2006/relationships" xmlns:c16r2="http://schemas.microsoft.com/office/drawing/2015/06/chart">
   <c:date1904 val="0"/>
   <c:lang val="ru-RU"/>
   <c:roundedCorners val="0"/>
@@ -1985,7 +1985,6 @@
   </mc:AlternateContent>
   <c:chart>
     <c:title>
-      <c:layout/>
       <c:overlay val="0"/>
       <c:spPr>
         <a:noFill/>
@@ -2059,7 +2058,7 @@
               </a:ln>
               <a:effectLst/>
             </c:spPr>
-            <c:extLst xmlns:c16r2="http://schemas.microsoft.com/office/drawing/2015/06/chart">
+            <c:extLst>
               <c:ext xmlns:c16="http://schemas.microsoft.com/office/drawing/2014/chart" uri="{C3380CC4-5D6E-409C-BE32-E72D297353CC}">
                 <c16:uniqueId val="{00000001-51AC-4651-B562-2F178D39ABBE}"/>
               </c:ext>
@@ -2078,7 +2077,7 @@
               </a:ln>
               <a:effectLst/>
             </c:spPr>
-            <c:extLst xmlns:c16r2="http://schemas.microsoft.com/office/drawing/2015/06/chart">
+            <c:extLst>
               <c:ext xmlns:c16="http://schemas.microsoft.com/office/drawing/2014/chart" uri="{C3380CC4-5D6E-409C-BE32-E72D297353CC}">
                 <c16:uniqueId val="{00000003-51AC-4651-B562-2F178D39ABBE}"/>
               </c:ext>
@@ -2122,7 +2121,7 @@
             <c:showPercent val="0"/>
             <c:showBubbleSize val="0"/>
             <c:showLeaderLines val="0"/>
-            <c:extLst xmlns:c16r2="http://schemas.microsoft.com/office/drawing/2015/06/chart">
+            <c:extLst>
               <c:ext xmlns:c15="http://schemas.microsoft.com/office/drawing/2012/chart" uri="{CE6537A1-D6FC-4f65-9D91-7224C49458BB}">
                 <c15:showLeaderLines val="1"/>
                 <c15:leaderLines>
@@ -2171,7 +2170,7 @@
               </c:numCache>
             </c:numRef>
           </c:val>
-          <c:extLst xmlns:c16r2="http://schemas.microsoft.com/office/drawing/2015/06/chart">
+          <c:extLst>
             <c:ext xmlns:c16="http://schemas.microsoft.com/office/drawing/2014/chart" uri="{C3380CC4-5D6E-409C-BE32-E72D297353CC}">
               <c16:uniqueId val="{00000004-51AC-4651-B562-2F178D39ABBE}"/>
             </c:ext>
@@ -2294,7 +2293,6 @@
               </a:p>
             </c:rich>
           </c:tx>
-          <c:layout/>
           <c:overlay val="0"/>
           <c:spPr>
             <a:noFill/>
@@ -2303,6 +2301,26 @@
             </a:ln>
             <a:effectLst/>
           </c:spPr>
+          <c:txPr>
+            <a:bodyPr rot="-5400000" spcFirstLastPara="1" vertOverflow="ellipsis" vert="horz" wrap="square" anchor="ctr" anchorCtr="1"/>
+            <a:lstStyle/>
+            <a:p>
+              <a:pPr>
+                <a:defRPr sz="1000" b="0" i="0" u="none" strike="noStrike" kern="1200" baseline="0">
+                  <a:solidFill>
+                    <a:schemeClr val="tx1">
+                      <a:lumMod val="65000"/>
+                      <a:lumOff val="35000"/>
+                    </a:schemeClr>
+                  </a:solidFill>
+                  <a:latin typeface="+mn-lt"/>
+                  <a:ea typeface="+mn-ea"/>
+                  <a:cs typeface="+mn-cs"/>
+                </a:defRPr>
+              </a:pPr>
+              <a:endParaRPr lang="ru-RU"/>
+            </a:p>
+          </c:txPr>
         </c:title>
         <c:numFmt formatCode="General" sourceLinked="1"/>
         <c:majorTickMark val="none"/>
@@ -2350,7 +2368,7 @@
     <c:plotVisOnly val="1"/>
     <c:dispBlanksAs val="gap"/>
     <c:showDLblsOverMax val="0"/>
-    <c:extLst xmlns:c16r2="http://schemas.microsoft.com/office/drawing/2015/06/chart">
+    <c:extLst>
       <c:ext xmlns:c16r3="http://schemas.microsoft.com/office/drawing/2017/03/chart" uri="{56B9EC1D-385E-4148-901F-78D8002777C0}">
         <c16r3:dataDisplayOptions16>
           <c16r3:dispNaAsBlank val="1"/>
@@ -2375,7 +2393,7 @@
       <a:endParaRPr lang="ru-RU"/>
     </a:p>
   </c:txPr>
-  <c:externalData r:id="rId1">
+  <c:externalData r:id="rId3">
     <c:autoUpdate val="0"/>
   </c:externalData>
 </c:chartSpace>
@@ -8896,11 +8914,7 @@
         <a:p>
           <a:r>
             <a:rPr lang="ru-RU" dirty="0" smtClean="0"/>
-            <a:t>У нас есть хорошие идеи как улучшить нашу </a:t>
-          </a:r>
-          <a:r>
-            <a:rPr lang="ru-RU" dirty="0" smtClean="0"/>
-            <a:t>модель подробности в </a:t>
+            <a:t>У нас есть хорошие идеи как улучшить нашу модель подробности в </a:t>
           </a:r>
           <a:r>
             <a:rPr lang="en-US" dirty="0" err="1" smtClean="0"/>
@@ -10475,27 +10489,27 @@
     </dgm:pt>
   </dgm:ptLst>
   <dgm:cxnLst>
+    <dgm:cxn modelId="{3AE0F71A-EB93-4FBE-BD8F-2085305E9CC2}" srcId="{8A0CCB67-4931-4815-A7DB-5490EBA2AB96}" destId="{53F27932-215D-4FD6-90CA-54B4D5C19BA7}" srcOrd="2" destOrd="0" parTransId="{41E278D3-242A-4259-9B17-BFF727F570DD}" sibTransId="{B95D4DF6-4CCC-415F-BEC8-9D0CBD9DA7D2}"/>
+    <dgm:cxn modelId="{B98374B7-0456-4EF0-9EBD-DA8662FB8428}" srcId="{8A0CCB67-4931-4815-A7DB-5490EBA2AB96}" destId="{2683BE7D-2928-4CDA-85DD-0829ADC779BB}" srcOrd="3" destOrd="0" parTransId="{05AD8C36-876E-473F-B635-F740B96C61DC}" sibTransId="{D97A578B-05B0-4EB2-BD4F-82FEA4D49F0A}"/>
+    <dgm:cxn modelId="{FE12CB00-34A8-4A4A-9EA1-DEB86F5CA5A7}" type="presOf" srcId="{1D2CB9B1-AD91-4802-BE76-99C68A32F237}" destId="{F533B775-BB01-449D-AB23-07E208C563EA}" srcOrd="0" destOrd="0" presId="urn:microsoft.com/office/officeart/2008/layout/SquareAccentList"/>
+    <dgm:cxn modelId="{F9F391E9-16BD-4C55-AE45-7671557BBC84}" srcId="{6F324D2C-6863-4E91-84B1-65F5C52040E4}" destId="{C5139CBC-CD96-4C93-A23E-03E27DC50E62}" srcOrd="1" destOrd="0" parTransId="{A3ECBC46-3ABB-4AFD-AA17-848B404664AE}" sibTransId="{E3074E50-D2BA-4F2F-BD83-AC3FA87A1971}"/>
+    <dgm:cxn modelId="{3968AD1F-19BE-4DDA-A604-6CD9731ADDAB}" type="presOf" srcId="{41E75CD2-58A0-4322-A4F3-4B28A0E7FF6A}" destId="{487AE6D6-F728-47A0-A35A-62E0898ACD69}" srcOrd="0" destOrd="0" presId="urn:microsoft.com/office/officeart/2008/layout/SquareAccentList"/>
+    <dgm:cxn modelId="{21CD5452-46C4-4AAA-AB3B-7CEC12A661B7}" type="presOf" srcId="{F6347627-E0FE-4527-947D-380C070D6B3B}" destId="{29ED7814-0041-4AF0-87F1-EDB5A06017F1}" srcOrd="0" destOrd="0" presId="urn:microsoft.com/office/officeart/2008/layout/SquareAccentList"/>
+    <dgm:cxn modelId="{D66D73BD-B695-448B-8AF6-8C5DC2C19A67}" type="presOf" srcId="{C5139CBC-CD96-4C93-A23E-03E27DC50E62}" destId="{2368936A-C0DD-484F-950E-10CBEE618CD7}" srcOrd="0" destOrd="0" presId="urn:microsoft.com/office/officeart/2008/layout/SquareAccentList"/>
+    <dgm:cxn modelId="{65EFA117-4BE9-48EC-9C14-D908AA51D0E5}" srcId="{6F324D2C-6863-4E91-84B1-65F5C52040E4}" destId="{89BE2F4F-6400-45B0-9103-27E902E7A4EA}" srcOrd="0" destOrd="0" parTransId="{BCBEA147-A462-4830-8E88-832B0955920D}" sibTransId="{4A352F85-2DF8-4582-A7A4-F8C2CF98A294}"/>
+    <dgm:cxn modelId="{D1017709-887B-4284-A139-7A5E0EE7BB09}" type="presOf" srcId="{2F1F98D5-8AE9-421A-B5A2-6C4492E8C730}" destId="{D64617B7-A3A9-4EC4-BB01-A799958381F0}" srcOrd="0" destOrd="0" presId="urn:microsoft.com/office/officeart/2008/layout/SquareAccentList"/>
+    <dgm:cxn modelId="{3071D337-5F61-4E3F-ACC3-EE92255CFEFE}" srcId="{8A0CCB67-4931-4815-A7DB-5490EBA2AB96}" destId="{2F1F98D5-8AE9-421A-B5A2-6C4492E8C730}" srcOrd="0" destOrd="0" parTransId="{9BF3900B-0E90-4006-AB23-2EB19E42B78D}" sibTransId="{6DFA2B7F-37F2-4666-8C70-094500335FC2}"/>
+    <dgm:cxn modelId="{34ED7CD9-A63B-489D-B80A-9E620F1E6ABC}" type="presOf" srcId="{89BE2F4F-6400-45B0-9103-27E902E7A4EA}" destId="{55ABAB20-AB7A-4029-8BFC-B447CF376B77}" srcOrd="0" destOrd="0" presId="urn:microsoft.com/office/officeart/2008/layout/SquareAccentList"/>
     <dgm:cxn modelId="{94D3B458-0D6F-4436-8C7E-80D6C60D9D75}" srcId="{41E75CD2-58A0-4322-A4F3-4B28A0E7FF6A}" destId="{6F324D2C-6863-4E91-84B1-65F5C52040E4}" srcOrd="1" destOrd="0" parTransId="{3C21CB68-0DB9-416B-96AC-67FC04651CB8}" sibTransId="{749251AF-BA4E-4013-95B8-33AE5F5DAC14}"/>
-    <dgm:cxn modelId="{3968AD1F-19BE-4DDA-A604-6CD9731ADDAB}" type="presOf" srcId="{41E75CD2-58A0-4322-A4F3-4B28A0E7FF6A}" destId="{487AE6D6-F728-47A0-A35A-62E0898ACD69}" srcOrd="0" destOrd="0" presId="urn:microsoft.com/office/officeart/2008/layout/SquareAccentList"/>
-    <dgm:cxn modelId="{FE12CB00-34A8-4A4A-9EA1-DEB86F5CA5A7}" type="presOf" srcId="{1D2CB9B1-AD91-4802-BE76-99C68A32F237}" destId="{F533B775-BB01-449D-AB23-07E208C563EA}" srcOrd="0" destOrd="0" presId="urn:microsoft.com/office/officeart/2008/layout/SquareAccentList"/>
+    <dgm:cxn modelId="{568E9BC2-0AA0-40C5-80D2-CD3FB7AAFC41}" srcId="{6F324D2C-6863-4E91-84B1-65F5C52040E4}" destId="{581456FF-68FD-4C0C-AB0F-CCE226AC4260}" srcOrd="2" destOrd="0" parTransId="{862A5564-B724-4D98-9A92-F8A0030236D2}" sibTransId="{D86FDAE7-BD5A-47AC-9981-2EDB1210B7A8}"/>
     <dgm:cxn modelId="{CBCAB367-99B7-48A6-998D-450A656341CA}" srcId="{41E75CD2-58A0-4322-A4F3-4B28A0E7FF6A}" destId="{8A0CCB67-4931-4815-A7DB-5490EBA2AB96}" srcOrd="0" destOrd="0" parTransId="{737B8D0E-7959-4816-823B-DC33821C7A9D}" sibTransId="{DAACA2FD-E838-420A-A0C9-5E9E672AAD62}"/>
+    <dgm:cxn modelId="{BFDE8682-7060-488E-BB92-3E48B7EB4B81}" type="presOf" srcId="{8A0CCB67-4931-4815-A7DB-5490EBA2AB96}" destId="{E0A93437-E713-4220-B8DA-DDB5E8B8480B}" srcOrd="0" destOrd="0" presId="urn:microsoft.com/office/officeart/2008/layout/SquareAccentList"/>
+    <dgm:cxn modelId="{54C2D096-C639-477C-9395-757C8470F27A}" type="presOf" srcId="{2683BE7D-2928-4CDA-85DD-0829ADC779BB}" destId="{E69A4F89-5ACC-487D-8918-D90A41839DF2}" srcOrd="0" destOrd="0" presId="urn:microsoft.com/office/officeart/2008/layout/SquareAccentList"/>
+    <dgm:cxn modelId="{88136263-4B32-4474-BD4C-972EF7FBA7AB}" type="presOf" srcId="{6F324D2C-6863-4E91-84B1-65F5C52040E4}" destId="{B71C703E-30FA-4D83-B1D7-7F8205F0B32A}" srcOrd="0" destOrd="0" presId="urn:microsoft.com/office/officeart/2008/layout/SquareAccentList"/>
+    <dgm:cxn modelId="{5B326D9D-A9C1-4224-8F74-83A6D85C3F9D}" type="presOf" srcId="{581456FF-68FD-4C0C-AB0F-CCE226AC4260}" destId="{E5FA196F-DF98-4C8D-9F4C-192268707535}" srcOrd="0" destOrd="0" presId="urn:microsoft.com/office/officeart/2008/layout/SquareAccentList"/>
+    <dgm:cxn modelId="{5541D2FE-54B8-46D2-816F-E75C2C6A95ED}" srcId="{6F324D2C-6863-4E91-84B1-65F5C52040E4}" destId="{F6347627-E0FE-4527-947D-380C070D6B3B}" srcOrd="3" destOrd="0" parTransId="{AB6B1378-74AE-4B20-A585-19C73B42AA6D}" sibTransId="{4C72F687-DD24-4FD8-A2B3-15CD21F3370B}"/>
+    <dgm:cxn modelId="{B09AEF35-02D3-4203-9EB6-C74F2FCBE356}" type="presOf" srcId="{53F27932-215D-4FD6-90CA-54B4D5C19BA7}" destId="{79791830-C64B-4E9B-AFA4-A17FC07C2B6D}" srcOrd="0" destOrd="0" presId="urn:microsoft.com/office/officeart/2008/layout/SquareAccentList"/>
     <dgm:cxn modelId="{D2E70CC5-D860-483D-A8CE-7AE71AAA2BBB}" srcId="{8A0CCB67-4931-4815-A7DB-5490EBA2AB96}" destId="{1D2CB9B1-AD91-4802-BE76-99C68A32F237}" srcOrd="1" destOrd="0" parTransId="{86BE13C2-B3BB-42BC-AA76-771DB755AAA0}" sibTransId="{D1D8DC6C-470F-4091-A2A1-7C4C8554FAEF}"/>
-    <dgm:cxn modelId="{BFDE8682-7060-488E-BB92-3E48B7EB4B81}" type="presOf" srcId="{8A0CCB67-4931-4815-A7DB-5490EBA2AB96}" destId="{E0A93437-E713-4220-B8DA-DDB5E8B8480B}" srcOrd="0" destOrd="0" presId="urn:microsoft.com/office/officeart/2008/layout/SquareAccentList"/>
-    <dgm:cxn modelId="{65EFA117-4BE9-48EC-9C14-D908AA51D0E5}" srcId="{6F324D2C-6863-4E91-84B1-65F5C52040E4}" destId="{89BE2F4F-6400-45B0-9103-27E902E7A4EA}" srcOrd="0" destOrd="0" parTransId="{BCBEA147-A462-4830-8E88-832B0955920D}" sibTransId="{4A352F85-2DF8-4582-A7A4-F8C2CF98A294}"/>
-    <dgm:cxn modelId="{B98374B7-0456-4EF0-9EBD-DA8662FB8428}" srcId="{8A0CCB67-4931-4815-A7DB-5490EBA2AB96}" destId="{2683BE7D-2928-4CDA-85DD-0829ADC779BB}" srcOrd="3" destOrd="0" parTransId="{05AD8C36-876E-473F-B635-F740B96C61DC}" sibTransId="{D97A578B-05B0-4EB2-BD4F-82FEA4D49F0A}"/>
-    <dgm:cxn modelId="{3071D337-5F61-4E3F-ACC3-EE92255CFEFE}" srcId="{8A0CCB67-4931-4815-A7DB-5490EBA2AB96}" destId="{2F1F98D5-8AE9-421A-B5A2-6C4492E8C730}" srcOrd="0" destOrd="0" parTransId="{9BF3900B-0E90-4006-AB23-2EB19E42B78D}" sibTransId="{6DFA2B7F-37F2-4666-8C70-094500335FC2}"/>
-    <dgm:cxn modelId="{88136263-4B32-4474-BD4C-972EF7FBA7AB}" type="presOf" srcId="{6F324D2C-6863-4E91-84B1-65F5C52040E4}" destId="{B71C703E-30FA-4D83-B1D7-7F8205F0B32A}" srcOrd="0" destOrd="0" presId="urn:microsoft.com/office/officeart/2008/layout/SquareAccentList"/>
-    <dgm:cxn modelId="{21CD5452-46C4-4AAA-AB3B-7CEC12A661B7}" type="presOf" srcId="{F6347627-E0FE-4527-947D-380C070D6B3B}" destId="{29ED7814-0041-4AF0-87F1-EDB5A06017F1}" srcOrd="0" destOrd="0" presId="urn:microsoft.com/office/officeart/2008/layout/SquareAccentList"/>
-    <dgm:cxn modelId="{34ED7CD9-A63B-489D-B80A-9E620F1E6ABC}" type="presOf" srcId="{89BE2F4F-6400-45B0-9103-27E902E7A4EA}" destId="{55ABAB20-AB7A-4029-8BFC-B447CF376B77}" srcOrd="0" destOrd="0" presId="urn:microsoft.com/office/officeart/2008/layout/SquareAccentList"/>
-    <dgm:cxn modelId="{5B326D9D-A9C1-4224-8F74-83A6D85C3F9D}" type="presOf" srcId="{581456FF-68FD-4C0C-AB0F-CCE226AC4260}" destId="{E5FA196F-DF98-4C8D-9F4C-192268707535}" srcOrd="0" destOrd="0" presId="urn:microsoft.com/office/officeart/2008/layout/SquareAccentList"/>
-    <dgm:cxn modelId="{D66D73BD-B695-448B-8AF6-8C5DC2C19A67}" type="presOf" srcId="{C5139CBC-CD96-4C93-A23E-03E27DC50E62}" destId="{2368936A-C0DD-484F-950E-10CBEE618CD7}" srcOrd="0" destOrd="0" presId="urn:microsoft.com/office/officeart/2008/layout/SquareAccentList"/>
-    <dgm:cxn modelId="{F9F391E9-16BD-4C55-AE45-7671557BBC84}" srcId="{6F324D2C-6863-4E91-84B1-65F5C52040E4}" destId="{C5139CBC-CD96-4C93-A23E-03E27DC50E62}" srcOrd="1" destOrd="0" parTransId="{A3ECBC46-3ABB-4AFD-AA17-848B404664AE}" sibTransId="{E3074E50-D2BA-4F2F-BD83-AC3FA87A1971}"/>
-    <dgm:cxn modelId="{B09AEF35-02D3-4203-9EB6-C74F2FCBE356}" type="presOf" srcId="{53F27932-215D-4FD6-90CA-54B4D5C19BA7}" destId="{79791830-C64B-4E9B-AFA4-A17FC07C2B6D}" srcOrd="0" destOrd="0" presId="urn:microsoft.com/office/officeart/2008/layout/SquareAccentList"/>
-    <dgm:cxn modelId="{3AE0F71A-EB93-4FBE-BD8F-2085305E9CC2}" srcId="{8A0CCB67-4931-4815-A7DB-5490EBA2AB96}" destId="{53F27932-215D-4FD6-90CA-54B4D5C19BA7}" srcOrd="2" destOrd="0" parTransId="{41E278D3-242A-4259-9B17-BFF727F570DD}" sibTransId="{B95D4DF6-4CCC-415F-BEC8-9D0CBD9DA7D2}"/>
-    <dgm:cxn modelId="{568E9BC2-0AA0-40C5-80D2-CD3FB7AAFC41}" srcId="{6F324D2C-6863-4E91-84B1-65F5C52040E4}" destId="{581456FF-68FD-4C0C-AB0F-CCE226AC4260}" srcOrd="2" destOrd="0" parTransId="{862A5564-B724-4D98-9A92-F8A0030236D2}" sibTransId="{D86FDAE7-BD5A-47AC-9981-2EDB1210B7A8}"/>
-    <dgm:cxn modelId="{54C2D096-C639-477C-9395-757C8470F27A}" type="presOf" srcId="{2683BE7D-2928-4CDA-85DD-0829ADC779BB}" destId="{E69A4F89-5ACC-487D-8918-D90A41839DF2}" srcOrd="0" destOrd="0" presId="urn:microsoft.com/office/officeart/2008/layout/SquareAccentList"/>
-    <dgm:cxn modelId="{5541D2FE-54B8-46D2-816F-E75C2C6A95ED}" srcId="{6F324D2C-6863-4E91-84B1-65F5C52040E4}" destId="{F6347627-E0FE-4527-947D-380C070D6B3B}" srcOrd="3" destOrd="0" parTransId="{AB6B1378-74AE-4B20-A585-19C73B42AA6D}" sibTransId="{4C72F687-DD24-4FD8-A2B3-15CD21F3370B}"/>
-    <dgm:cxn modelId="{D1017709-887B-4284-A139-7A5E0EE7BB09}" type="presOf" srcId="{2F1F98D5-8AE9-421A-B5A2-6C4492E8C730}" destId="{D64617B7-A3A9-4EC4-BB01-A799958381F0}" srcOrd="0" destOrd="0" presId="urn:microsoft.com/office/officeart/2008/layout/SquareAccentList"/>
     <dgm:cxn modelId="{9E8535B6-1302-4937-AC97-ADE650F2DE62}" type="presParOf" srcId="{487AE6D6-F728-47A0-A35A-62E0898ACD69}" destId="{B32C7898-358D-4F3F-A7FB-E5D3B1B0733C}" srcOrd="0" destOrd="0" presId="urn:microsoft.com/office/officeart/2008/layout/SquareAccentList"/>
     <dgm:cxn modelId="{B700EFB3-51B5-4E4C-9D8C-7A80D58A7B02}" type="presParOf" srcId="{B32C7898-358D-4F3F-A7FB-E5D3B1B0733C}" destId="{C3731CE2-1AFC-4736-871C-E7AE586FD03A}" srcOrd="0" destOrd="0" presId="urn:microsoft.com/office/officeart/2008/layout/SquareAccentList"/>
     <dgm:cxn modelId="{0A1004D8-F100-4338-BA89-58D28B527FAB}" type="presParOf" srcId="{C3731CE2-1AFC-4736-871C-E7AE586FD03A}" destId="{35C14645-E76F-43E5-A8FB-FD7F47B7802C}" srcOrd="0" destOrd="0" presId="urn:microsoft.com/office/officeart/2008/layout/SquareAccentList"/>
@@ -10893,11 +10907,7 @@
         <a:p>
           <a:r>
             <a:rPr lang="ru-RU" dirty="0" smtClean="0"/>
-            <a:t>Делаем </a:t>
-          </a:r>
-          <a:r>
-            <a:rPr lang="ru-RU" dirty="0" smtClean="0"/>
-            <a:t>прогноз</a:t>
+            <a:t>Делаем прогноз</a:t>
           </a:r>
           <a:endParaRPr lang="ru-RU" dirty="0"/>
         </a:p>
@@ -11572,19 +11582,7 @@
           </a:r>
           <a:r>
             <a:rPr lang="ru-RU" dirty="0" smtClean="0"/>
-            <a:t>меньше 3 сек, </a:t>
-          </a:r>
-          <a:r>
-            <a:rPr lang="ru-RU" dirty="0" smtClean="0"/>
-            <a:t>обучение всех словарей занимает не более </a:t>
-          </a:r>
-          <a:r>
-            <a:rPr lang="ru-RU" dirty="0" smtClean="0"/>
-            <a:t>6 </a:t>
-          </a:r>
-          <a:r>
-            <a:rPr lang="ru-RU" dirty="0" smtClean="0"/>
-            <a:t>минут</a:t>
+            <a:t>меньше 3 сек, обучение всех словарей занимает не более 6 минут</a:t>
           </a:r>
           <a:endParaRPr lang="ru-RU" dirty="0"/>
         </a:p>
@@ -11627,15 +11625,7 @@
         <a:p>
           <a:r>
             <a:rPr lang="ru-RU" dirty="0" smtClean="0"/>
-            <a:t>Если доделать вероятность точности </a:t>
-          </a:r>
-          <a:r>
-            <a:rPr lang="ru-RU" dirty="0" smtClean="0"/>
-            <a:t>предсказания, </a:t>
-          </a:r>
-          <a:r>
-            <a:rPr lang="ru-RU" dirty="0" smtClean="0"/>
-            <a:t>то модель можно будет использовать только когда она уверена в правильности</a:t>
+            <a:t>Если доделать вероятность точности предсказания, то модель можно будет использовать только когда она уверена в правильности</a:t>
           </a:r>
           <a:endParaRPr lang="ru-RU" dirty="0"/>
         </a:p>
@@ -12135,11 +12125,7 @@
           </a:r>
           <a:r>
             <a:rPr lang="ru-RU" dirty="0" smtClean="0"/>
-            <a:t>сильно </a:t>
-          </a:r>
-          <a:r>
-            <a:rPr lang="ru-RU" dirty="0" smtClean="0"/>
-            <a:t>поможет + работа над ошибками</a:t>
+            <a:t>сильно поможет + работа над ошибками</a:t>
           </a:r>
           <a:endParaRPr lang="ru-RU" dirty="0"/>
         </a:p>
@@ -12383,12 +12369,12 @@
     </dgm:pt>
   </dgm:ptLst>
   <dgm:cxnLst>
-    <dgm:cxn modelId="{3F5D725B-A92F-486D-BB31-CF430C3F39AF}" type="presOf" srcId="{09B86D73-A37F-4F36-9C59-690A5A21D9D4}" destId="{D4ACAF20-7F76-4A9B-85CC-20B2BD38D2E5}" srcOrd="0" destOrd="0" presId="urn:microsoft.com/office/officeart/2008/layout/PictureStrips"/>
-    <dgm:cxn modelId="{8717DCD1-E70C-44B0-90D3-AEADA5A71094}" srcId="{09B86D73-A37F-4F36-9C59-690A5A21D9D4}" destId="{F326F3D0-E489-49E9-8BDB-DAEEAF604999}" srcOrd="0" destOrd="0" parTransId="{13101B13-5E6D-47E8-A7EB-2A119EC6C453}" sibTransId="{4E41D031-2F3B-4654-ACBF-9632DBACD780}"/>
     <dgm:cxn modelId="{E356593B-B1BA-4F4A-AEEB-91F434769EC2}" srcId="{09B86D73-A37F-4F36-9C59-690A5A21D9D4}" destId="{85A16F70-A326-4A4F-9C29-718512DB8DA7}" srcOrd="2" destOrd="0" parTransId="{961E818D-796B-4C25-B2F2-42AC58F95EB3}" sibTransId="{528856BB-31B4-425A-A87C-5A439F0779A8}"/>
-    <dgm:cxn modelId="{581DC41B-6500-4489-B54C-FA65A37F1465}" srcId="{09B86D73-A37F-4F36-9C59-690A5A21D9D4}" destId="{3F723476-0CFA-420F-9FDE-41B47C64D6B6}" srcOrd="1" destOrd="0" parTransId="{CDE8A42B-3A34-40D8-87AB-1F962D8811F5}" sibTransId="{DF69622C-E807-4C5B-8AFC-0EC4572AB5ED}"/>
     <dgm:cxn modelId="{BC39DC28-4E0D-4F3C-89D4-6F840A170A1E}" type="presOf" srcId="{85A16F70-A326-4A4F-9C29-718512DB8DA7}" destId="{56CD3501-F32D-43B2-95B9-2EE244EE82FA}" srcOrd="0" destOrd="0" presId="urn:microsoft.com/office/officeart/2008/layout/PictureStrips"/>
     <dgm:cxn modelId="{B958680D-D3D5-442E-9724-7B5439906AA3}" type="presOf" srcId="{3F723476-0CFA-420F-9FDE-41B47C64D6B6}" destId="{8732291A-E8D2-4C35-92C6-FBC79704B52B}" srcOrd="0" destOrd="0" presId="urn:microsoft.com/office/officeart/2008/layout/PictureStrips"/>
+    <dgm:cxn modelId="{8717DCD1-E70C-44B0-90D3-AEADA5A71094}" srcId="{09B86D73-A37F-4F36-9C59-690A5A21D9D4}" destId="{F326F3D0-E489-49E9-8BDB-DAEEAF604999}" srcOrd="0" destOrd="0" parTransId="{13101B13-5E6D-47E8-A7EB-2A119EC6C453}" sibTransId="{4E41D031-2F3B-4654-ACBF-9632DBACD780}"/>
+    <dgm:cxn modelId="{3F5D725B-A92F-486D-BB31-CF430C3F39AF}" type="presOf" srcId="{09B86D73-A37F-4F36-9C59-690A5A21D9D4}" destId="{D4ACAF20-7F76-4A9B-85CC-20B2BD38D2E5}" srcOrd="0" destOrd="0" presId="urn:microsoft.com/office/officeart/2008/layout/PictureStrips"/>
+    <dgm:cxn modelId="{581DC41B-6500-4489-B54C-FA65A37F1465}" srcId="{09B86D73-A37F-4F36-9C59-690A5A21D9D4}" destId="{3F723476-0CFA-420F-9FDE-41B47C64D6B6}" srcOrd="1" destOrd="0" parTransId="{CDE8A42B-3A34-40D8-87AB-1F962D8811F5}" sibTransId="{DF69622C-E807-4C5B-8AFC-0EC4572AB5ED}"/>
     <dgm:cxn modelId="{969E2C60-71CC-42C5-A50E-1E42A5506E6F}" type="presOf" srcId="{F326F3D0-E489-49E9-8BDB-DAEEAF604999}" destId="{441E7ECB-D355-4A56-BEB6-82D695E52777}" srcOrd="0" destOrd="0" presId="urn:microsoft.com/office/officeart/2008/layout/PictureStrips"/>
     <dgm:cxn modelId="{095125D6-0E74-4E3E-9076-25E548E4F006}" type="presParOf" srcId="{D4ACAF20-7F76-4A9B-85CC-20B2BD38D2E5}" destId="{A5316EA8-5814-45CE-91E6-888DE302AC48}" srcOrd="0" destOrd="0" presId="urn:microsoft.com/office/officeart/2008/layout/PictureStrips"/>
     <dgm:cxn modelId="{2A2E93DC-D3FD-4286-BD4E-194839CC6B86}" type="presParOf" srcId="{A5316EA8-5814-45CE-91E6-888DE302AC48}" destId="{441E7ECB-D355-4A56-BEB6-82D695E52777}" srcOrd="0" destOrd="0" presId="urn:microsoft.com/office/officeart/2008/layout/PictureStrips"/>
@@ -13038,11 +13024,7 @@
           </a:pPr>
           <a:r>
             <a:rPr lang="ru-RU" sz="2300" kern="1200" dirty="0" smtClean="0"/>
-            <a:t>У нас есть хорошие идеи как улучшить нашу </a:t>
-          </a:r>
-          <a:r>
-            <a:rPr lang="ru-RU" sz="2300" kern="1200" dirty="0" smtClean="0"/>
-            <a:t>модель подробности в </a:t>
+            <a:t>У нас есть хорошие идеи как улучшить нашу модель подробности в </a:t>
           </a:r>
           <a:r>
             <a:rPr lang="en-US" sz="2300" kern="1200" dirty="0" err="1" smtClean="0"/>
@@ -13888,12 +13870,12 @@
         <a:fontRef idx="minor"/>
       </dsp:style>
       <dsp:txBody>
-        <a:bodyPr spcFirstLastPara="0" vert="horz" wrap="square" lIns="40005" tIns="26670" rIns="40005" bIns="26670" numCol="1" spcCol="1270" anchor="ctr" anchorCtr="0">
+        <a:bodyPr spcFirstLastPara="0" vert="horz" wrap="square" lIns="49530" tIns="33020" rIns="49530" bIns="33020" numCol="1" spcCol="1270" anchor="ctr" anchorCtr="0">
           <a:noAutofit/>
         </a:bodyPr>
         <a:lstStyle/>
         <a:p>
-          <a:pPr lvl="0" algn="ctr" defTabSz="933450">
+          <a:pPr lvl="0" algn="ctr" defTabSz="1155700">
             <a:lnSpc>
               <a:spcPct val="90000"/>
             </a:lnSpc>
@@ -13905,10 +13887,10 @@
             </a:spcAft>
           </a:pPr>
           <a:r>
-            <a:rPr lang="ru-RU" sz="2100" kern="1200" dirty="0" smtClean="0"/>
+            <a:rPr lang="ru-RU" sz="2600" kern="1200" dirty="0" smtClean="0"/>
             <a:t>Долевые словари</a:t>
           </a:r>
-          <a:endParaRPr lang="ru-RU" sz="2100" kern="1200" dirty="0"/>
+          <a:endParaRPr lang="ru-RU" sz="2600" kern="1200" dirty="0"/>
         </a:p>
       </dsp:txBody>
       <dsp:txXfrm>
@@ -13995,12 +13977,12 @@
         <a:fontRef idx="minor"/>
       </dsp:style>
       <dsp:txBody>
-        <a:bodyPr spcFirstLastPara="0" vert="horz" wrap="square" lIns="142240" tIns="142240" rIns="142240" bIns="142240" numCol="1" spcCol="1270" anchor="ctr" anchorCtr="0">
+        <a:bodyPr spcFirstLastPara="0" vert="horz" wrap="square" lIns="170688" tIns="170688" rIns="170688" bIns="170688" numCol="1" spcCol="1270" anchor="ctr" anchorCtr="0">
           <a:noAutofit/>
         </a:bodyPr>
         <a:lstStyle/>
         <a:p>
-          <a:pPr lvl="0" algn="l" defTabSz="889000">
+          <a:pPr lvl="0" algn="l" defTabSz="1066800">
             <a:lnSpc>
               <a:spcPct val="90000"/>
             </a:lnSpc>
@@ -14012,10 +13994,10 @@
             </a:spcAft>
           </a:pPr>
           <a:r>
-            <a:rPr lang="en-US" sz="2000" kern="1200" dirty="0" smtClean="0"/>
+            <a:rPr lang="en-US" sz="2400" kern="1200" dirty="0" smtClean="0"/>
             <a:t>orders</a:t>
           </a:r>
-          <a:endParaRPr lang="ru-RU" sz="2000" kern="1200" dirty="0"/>
+          <a:endParaRPr lang="ru-RU" sz="2400" kern="1200" dirty="0"/>
         </a:p>
       </dsp:txBody>
       <dsp:txXfrm>
@@ -14102,12 +14084,12 @@
         <a:fontRef idx="minor"/>
       </dsp:style>
       <dsp:txBody>
-        <a:bodyPr spcFirstLastPara="0" vert="horz" wrap="square" lIns="142240" tIns="142240" rIns="142240" bIns="142240" numCol="1" spcCol="1270" anchor="ctr" anchorCtr="0">
+        <a:bodyPr spcFirstLastPara="0" vert="horz" wrap="square" lIns="170688" tIns="170688" rIns="170688" bIns="170688" numCol="1" spcCol="1270" anchor="ctr" anchorCtr="0">
           <a:noAutofit/>
         </a:bodyPr>
         <a:lstStyle/>
         <a:p>
-          <a:pPr lvl="0" algn="l" defTabSz="889000">
+          <a:pPr lvl="0" algn="l" defTabSz="1066800">
             <a:lnSpc>
               <a:spcPct val="90000"/>
             </a:lnSpc>
@@ -14119,10 +14101,10 @@
             </a:spcAft>
           </a:pPr>
           <a:r>
-            <a:rPr lang="en-US" sz="2000" kern="1200" dirty="0" smtClean="0"/>
+            <a:rPr lang="en-US" sz="2400" kern="1200" dirty="0" smtClean="0"/>
             <a:t>visits</a:t>
           </a:r>
-          <a:endParaRPr lang="ru-RU" sz="2000" kern="1200" dirty="0"/>
+          <a:endParaRPr lang="ru-RU" sz="2400" kern="1200" dirty="0"/>
         </a:p>
       </dsp:txBody>
       <dsp:txXfrm>
@@ -14209,12 +14191,12 @@
         <a:fontRef idx="minor"/>
       </dsp:style>
       <dsp:txBody>
-        <a:bodyPr spcFirstLastPara="0" vert="horz" wrap="square" lIns="142240" tIns="142240" rIns="142240" bIns="142240" numCol="1" spcCol="1270" anchor="ctr" anchorCtr="0">
+        <a:bodyPr spcFirstLastPara="0" vert="horz" wrap="square" lIns="170688" tIns="170688" rIns="170688" bIns="170688" numCol="1" spcCol="1270" anchor="ctr" anchorCtr="0">
           <a:noAutofit/>
         </a:bodyPr>
         <a:lstStyle/>
         <a:p>
-          <a:pPr lvl="0" algn="l" defTabSz="889000">
+          <a:pPr lvl="0" algn="l" defTabSz="1066800">
             <a:lnSpc>
               <a:spcPct val="90000"/>
             </a:lnSpc>
@@ -14226,10 +14208,10 @@
             </a:spcAft>
           </a:pPr>
           <a:r>
-            <a:rPr lang="en-US" sz="2000" kern="1200" dirty="0" smtClean="0"/>
+            <a:rPr lang="en-US" sz="2400" kern="1200" dirty="0" smtClean="0"/>
             <a:t>Items</a:t>
           </a:r>
-          <a:endParaRPr lang="ru-RU" sz="2000" kern="1200" dirty="0"/>
+          <a:endParaRPr lang="ru-RU" sz="2400" kern="1200" dirty="0"/>
         </a:p>
       </dsp:txBody>
       <dsp:txXfrm>
@@ -14316,12 +14298,12 @@
         <a:fontRef idx="minor"/>
       </dsp:style>
       <dsp:txBody>
-        <a:bodyPr spcFirstLastPara="0" vert="horz" wrap="square" lIns="142240" tIns="142240" rIns="142240" bIns="142240" numCol="1" spcCol="1270" anchor="ctr" anchorCtr="0">
+        <a:bodyPr spcFirstLastPara="0" vert="horz" wrap="square" lIns="170688" tIns="170688" rIns="170688" bIns="170688" numCol="1" spcCol="1270" anchor="ctr" anchorCtr="0">
           <a:noAutofit/>
         </a:bodyPr>
         <a:lstStyle/>
         <a:p>
-          <a:pPr lvl="0" algn="l" defTabSz="889000">
+          <a:pPr lvl="0" algn="l" defTabSz="1066800">
             <a:lnSpc>
               <a:spcPct val="90000"/>
             </a:lnSpc>
@@ -14333,10 +14315,10 @@
             </a:spcAft>
           </a:pPr>
           <a:r>
-            <a:rPr lang="en-US" sz="2000" kern="1200" dirty="0" smtClean="0"/>
+            <a:rPr lang="en-US" sz="2400" kern="1200" dirty="0" smtClean="0"/>
             <a:t>…</a:t>
           </a:r>
-          <a:endParaRPr lang="ru-RU" sz="2000" kern="1200" dirty="0"/>
+          <a:endParaRPr lang="ru-RU" sz="2400" kern="1200" dirty="0"/>
         </a:p>
       </dsp:txBody>
       <dsp:txXfrm>
@@ -14475,12 +14457,12 @@
         <a:fontRef idx="minor"/>
       </dsp:style>
       <dsp:txBody>
-        <a:bodyPr spcFirstLastPara="0" vert="horz" wrap="square" lIns="40005" tIns="26670" rIns="40005" bIns="26670" numCol="1" spcCol="1270" anchor="ctr" anchorCtr="0">
+        <a:bodyPr spcFirstLastPara="0" vert="horz" wrap="square" lIns="49530" tIns="33020" rIns="49530" bIns="33020" numCol="1" spcCol="1270" anchor="ctr" anchorCtr="0">
           <a:noAutofit/>
         </a:bodyPr>
         <a:lstStyle/>
         <a:p>
-          <a:pPr lvl="0" algn="ctr" defTabSz="933450">
+          <a:pPr lvl="0" algn="ctr" defTabSz="1155700">
             <a:lnSpc>
               <a:spcPct val="90000"/>
             </a:lnSpc>
@@ -14492,10 +14474,10 @@
             </a:spcAft>
           </a:pPr>
           <a:r>
-            <a:rPr lang="ru-RU" sz="2100" kern="1200" dirty="0" smtClean="0"/>
+            <a:rPr lang="ru-RU" sz="2600" kern="1200" dirty="0" smtClean="0"/>
             <a:t>Множества значимых элементов</a:t>
           </a:r>
-          <a:endParaRPr lang="ru-RU" sz="2100" kern="1200" dirty="0"/>
+          <a:endParaRPr lang="ru-RU" sz="2600" kern="1200" dirty="0"/>
         </a:p>
       </dsp:txBody>
       <dsp:txXfrm>
@@ -14582,12 +14564,12 @@
         <a:fontRef idx="minor"/>
       </dsp:style>
       <dsp:txBody>
-        <a:bodyPr spcFirstLastPara="0" vert="horz" wrap="square" lIns="142240" tIns="142240" rIns="142240" bIns="142240" numCol="1" spcCol="1270" anchor="ctr" anchorCtr="0">
+        <a:bodyPr spcFirstLastPara="0" vert="horz" wrap="square" lIns="170688" tIns="170688" rIns="170688" bIns="170688" numCol="1" spcCol="1270" anchor="ctr" anchorCtr="0">
           <a:noAutofit/>
         </a:bodyPr>
         <a:lstStyle/>
         <a:p>
-          <a:pPr lvl="0" algn="l" defTabSz="889000">
+          <a:pPr lvl="0" algn="l" defTabSz="1066800">
             <a:lnSpc>
               <a:spcPct val="90000"/>
             </a:lnSpc>
@@ -14599,10 +14581,10 @@
             </a:spcAft>
           </a:pPr>
           <a:r>
-            <a:rPr lang="en-US" sz="2000" kern="1200" dirty="0" smtClean="0"/>
+            <a:rPr lang="en-US" sz="2400" kern="1200" dirty="0" smtClean="0"/>
             <a:t>orders</a:t>
           </a:r>
-          <a:endParaRPr lang="ru-RU" sz="2000" kern="1200" dirty="0"/>
+          <a:endParaRPr lang="ru-RU" sz="2400" kern="1200" dirty="0"/>
         </a:p>
       </dsp:txBody>
       <dsp:txXfrm>
@@ -14689,12 +14671,12 @@
         <a:fontRef idx="minor"/>
       </dsp:style>
       <dsp:txBody>
-        <a:bodyPr spcFirstLastPara="0" vert="horz" wrap="square" lIns="142240" tIns="142240" rIns="142240" bIns="142240" numCol="1" spcCol="1270" anchor="ctr" anchorCtr="0">
+        <a:bodyPr spcFirstLastPara="0" vert="horz" wrap="square" lIns="170688" tIns="170688" rIns="170688" bIns="170688" numCol="1" spcCol="1270" anchor="ctr" anchorCtr="0">
           <a:noAutofit/>
         </a:bodyPr>
         <a:lstStyle/>
         <a:p>
-          <a:pPr lvl="0" algn="l" defTabSz="889000">
+          <a:pPr lvl="0" algn="l" defTabSz="1066800">
             <a:lnSpc>
               <a:spcPct val="90000"/>
             </a:lnSpc>
@@ -14706,10 +14688,10 @@
             </a:spcAft>
           </a:pPr>
           <a:r>
-            <a:rPr lang="en-US" sz="2000" kern="1200" dirty="0" smtClean="0"/>
+            <a:rPr lang="en-US" sz="2400" kern="1200" dirty="0" smtClean="0"/>
             <a:t>visits</a:t>
           </a:r>
-          <a:endParaRPr lang="ru-RU" sz="2000" kern="1200" dirty="0"/>
+          <a:endParaRPr lang="ru-RU" sz="2400" kern="1200" dirty="0"/>
         </a:p>
       </dsp:txBody>
       <dsp:txXfrm>
@@ -14796,12 +14778,12 @@
         <a:fontRef idx="minor"/>
       </dsp:style>
       <dsp:txBody>
-        <a:bodyPr spcFirstLastPara="0" vert="horz" wrap="square" lIns="142240" tIns="142240" rIns="142240" bIns="142240" numCol="1" spcCol="1270" anchor="ctr" anchorCtr="0">
+        <a:bodyPr spcFirstLastPara="0" vert="horz" wrap="square" lIns="170688" tIns="170688" rIns="170688" bIns="170688" numCol="1" spcCol="1270" anchor="ctr" anchorCtr="0">
           <a:noAutofit/>
         </a:bodyPr>
         <a:lstStyle/>
         <a:p>
-          <a:pPr lvl="0" algn="l" defTabSz="889000">
+          <a:pPr lvl="0" algn="l" defTabSz="1066800">
             <a:lnSpc>
               <a:spcPct val="90000"/>
             </a:lnSpc>
@@ -14813,10 +14795,10 @@
             </a:spcAft>
           </a:pPr>
           <a:r>
-            <a:rPr lang="en-US" sz="2000" kern="1200" dirty="0" smtClean="0"/>
+            <a:rPr lang="en-US" sz="2400" kern="1200" dirty="0" smtClean="0"/>
             <a:t>Items</a:t>
           </a:r>
-          <a:endParaRPr lang="ru-RU" sz="2000" kern="1200" dirty="0"/>
+          <a:endParaRPr lang="ru-RU" sz="2400" kern="1200" dirty="0"/>
         </a:p>
       </dsp:txBody>
       <dsp:txXfrm>
@@ -14903,12 +14885,12 @@
         <a:fontRef idx="minor"/>
       </dsp:style>
       <dsp:txBody>
-        <a:bodyPr spcFirstLastPara="0" vert="horz" wrap="square" lIns="142240" tIns="142240" rIns="142240" bIns="142240" numCol="1" spcCol="1270" anchor="ctr" anchorCtr="0">
+        <a:bodyPr spcFirstLastPara="0" vert="horz" wrap="square" lIns="170688" tIns="170688" rIns="170688" bIns="170688" numCol="1" spcCol="1270" anchor="ctr" anchorCtr="0">
           <a:noAutofit/>
         </a:bodyPr>
         <a:lstStyle/>
         <a:p>
-          <a:pPr lvl="0" algn="l" defTabSz="889000">
+          <a:pPr lvl="0" algn="l" defTabSz="1066800">
             <a:lnSpc>
               <a:spcPct val="90000"/>
             </a:lnSpc>
@@ -14920,10 +14902,10 @@
             </a:spcAft>
           </a:pPr>
           <a:r>
-            <a:rPr lang="en-US" sz="2000" kern="1200" dirty="0" smtClean="0"/>
+            <a:rPr lang="en-US" sz="2400" kern="1200" dirty="0" smtClean="0"/>
             <a:t>…</a:t>
           </a:r>
-          <a:endParaRPr lang="ru-RU" sz="2000" kern="1200" dirty="0"/>
+          <a:endParaRPr lang="ru-RU" sz="2400" kern="1200" dirty="0"/>
         </a:p>
       </dsp:txBody>
       <dsp:txXfrm>
@@ -14951,7 +14933,7 @@
       <dsp:spPr>
         <a:xfrm>
           <a:off x="0" y="4444481"/>
-          <a:ext cx="8127999" cy="972343"/>
+          <a:ext cx="8128000" cy="972343"/>
         </a:xfrm>
         <a:prstGeom prst="rect">
           <a:avLst/>
@@ -14993,12 +14975,12 @@
         </a:fontRef>
       </dsp:style>
       <dsp:txBody>
-        <a:bodyPr spcFirstLastPara="0" vert="horz" wrap="square" lIns="113792" tIns="113792" rIns="113792" bIns="113792" numCol="1" spcCol="1270" anchor="ctr" anchorCtr="0">
+        <a:bodyPr spcFirstLastPara="0" vert="horz" wrap="square" lIns="128016" tIns="128016" rIns="128016" bIns="128016" numCol="1" spcCol="1270" anchor="ctr" anchorCtr="0">
           <a:noAutofit/>
         </a:bodyPr>
         <a:lstStyle/>
         <a:p>
-          <a:pPr lvl="0" algn="ctr" defTabSz="711200">
+          <a:pPr lvl="0" algn="ctr" defTabSz="800100">
             <a:lnSpc>
               <a:spcPct val="90000"/>
             </a:lnSpc>
@@ -15010,7 +14992,7 @@
             </a:spcAft>
           </a:pPr>
           <a:r>
-            <a:rPr lang="ru-RU" sz="1600" b="1" kern="1200" dirty="0" smtClean="0">
+            <a:rPr lang="ru-RU" sz="1800" b="1" kern="1200" dirty="0" smtClean="0">
               <a:solidFill>
                 <a:srgbClr val="0070C0"/>
               </a:solidFill>
@@ -15018,7 +15000,7 @@
             <a:t>Сравниваем мужской и женский скор по </a:t>
           </a:r>
           <a:r>
-            <a:rPr lang="en-US" sz="1600" b="1" kern="1200" dirty="0" smtClean="0">
+            <a:rPr lang="en-US" sz="1800" b="1" kern="1200" dirty="0" smtClean="0">
               <a:solidFill>
                 <a:srgbClr val="0070C0"/>
               </a:solidFill>
@@ -15026,7 +15008,7 @@
             <a:t>5 </a:t>
           </a:r>
           <a:r>
-            <a:rPr lang="ru-RU" sz="1600" b="1" kern="1200" dirty="0" smtClean="0">
+            <a:rPr lang="ru-RU" sz="1800" b="1" kern="1200" dirty="0" smtClean="0">
               <a:solidFill>
                 <a:srgbClr val="0070C0"/>
               </a:solidFill>
@@ -15034,14 +15016,14 @@
             <a:t>из 8 </a:t>
           </a:r>
           <a:r>
-            <a:rPr lang="en-US" sz="1600" b="1" kern="1200" dirty="0" smtClean="0">
+            <a:rPr lang="en-US" sz="1800" b="1" kern="1200" dirty="0" smtClean="0">
               <a:solidFill>
                 <a:srgbClr val="0070C0"/>
               </a:solidFill>
             </a:rPr>
             <a:t>features</a:t>
           </a:r>
-          <a:endParaRPr lang="ru-RU" sz="1600" b="1" kern="1200" dirty="0">
+          <a:endParaRPr lang="ru-RU" sz="1800" b="1" kern="1200" dirty="0">
             <a:solidFill>
               <a:srgbClr val="0070C0"/>
             </a:solidFill>
@@ -15050,7 +15032,7 @@
       </dsp:txBody>
       <dsp:txXfrm>
         <a:off x="0" y="4444481"/>
-        <a:ext cx="8127999" cy="525065"/>
+        <a:ext cx="8128000" cy="525065"/>
       </dsp:txXfrm>
     </dsp:sp>
     <dsp:sp modelId="{370684D1-9084-4E8D-8E77-7719AB2F579F}">
@@ -15061,7 +15043,7 @@
       <dsp:spPr>
         <a:xfrm>
           <a:off x="0" y="4950099"/>
-          <a:ext cx="8127999" cy="447278"/>
+          <a:ext cx="8128000" cy="447278"/>
         </a:xfrm>
         <a:prstGeom prst="rect">
           <a:avLst/>
@@ -15103,12 +15085,12 @@
         <a:fontRef idx="minor"/>
       </dsp:style>
       <dsp:txBody>
-        <a:bodyPr spcFirstLastPara="0" vert="horz" wrap="square" lIns="149352" tIns="26670" rIns="149352" bIns="26670" numCol="1" spcCol="1270" anchor="ctr" anchorCtr="0">
+        <a:bodyPr spcFirstLastPara="0" vert="horz" wrap="square" lIns="184912" tIns="33020" rIns="184912" bIns="33020" numCol="1" spcCol="1270" anchor="ctr" anchorCtr="0">
           <a:noAutofit/>
         </a:bodyPr>
         <a:lstStyle/>
         <a:p>
-          <a:pPr lvl="0" algn="ctr" defTabSz="933450">
+          <a:pPr lvl="0" algn="ctr" defTabSz="1155700">
             <a:lnSpc>
               <a:spcPct val="90000"/>
             </a:lnSpc>
@@ -15120,19 +15102,15 @@
             </a:spcAft>
           </a:pPr>
           <a:r>
-            <a:rPr lang="ru-RU" sz="2100" kern="1200" dirty="0" smtClean="0"/>
-            <a:t>Делаем </a:t>
+            <a:rPr lang="ru-RU" sz="2600" kern="1200" dirty="0" smtClean="0"/>
+            <a:t>Делаем прогноз</a:t>
           </a:r>
-          <a:r>
-            <a:rPr lang="ru-RU" sz="2100" kern="1200" dirty="0" smtClean="0"/>
-            <a:t>прогноз</a:t>
-          </a:r>
-          <a:endParaRPr lang="ru-RU" sz="2100" kern="1200" dirty="0"/>
+          <a:endParaRPr lang="ru-RU" sz="2600" kern="1200" dirty="0"/>
         </a:p>
       </dsp:txBody>
       <dsp:txXfrm>
         <a:off x="0" y="4950099"/>
-        <a:ext cx="8127999" cy="447278"/>
+        <a:ext cx="8128000" cy="447278"/>
       </dsp:txXfrm>
     </dsp:sp>
     <dsp:sp modelId="{99F80C8B-2B4D-4584-A3A4-3368CB150BFA}">
@@ -15143,7 +15121,7 @@
       <dsp:spPr>
         <a:xfrm rot="10800000">
           <a:off x="0" y="2963601"/>
-          <a:ext cx="8127999" cy="1495464"/>
+          <a:ext cx="8128000" cy="1495464"/>
         </a:xfrm>
         <a:prstGeom prst="upArrowCallout">
           <a:avLst/>
@@ -15185,12 +15163,12 @@
         </a:fontRef>
       </dsp:style>
       <dsp:txBody>
-        <a:bodyPr spcFirstLastPara="0" vert="horz" wrap="square" lIns="113792" tIns="113792" rIns="113792" bIns="113792" numCol="1" spcCol="1270" anchor="ctr" anchorCtr="0">
+        <a:bodyPr spcFirstLastPara="0" vert="horz" wrap="square" lIns="128016" tIns="128016" rIns="128016" bIns="128016" numCol="1" spcCol="1270" anchor="ctr" anchorCtr="0">
           <a:noAutofit/>
         </a:bodyPr>
         <a:lstStyle/>
         <a:p>
-          <a:pPr lvl="0" algn="ctr" defTabSz="711200">
+          <a:pPr lvl="0" algn="ctr" defTabSz="800100">
             <a:lnSpc>
               <a:spcPct val="90000"/>
             </a:lnSpc>
@@ -15202,14 +15180,14 @@
             </a:spcAft>
           </a:pPr>
           <a:r>
-            <a:rPr lang="ru-RU" sz="1600" b="1" kern="1200" dirty="0" smtClean="0">
+            <a:rPr lang="ru-RU" sz="1800" b="1" kern="1200" dirty="0" smtClean="0">
               <a:solidFill>
                 <a:srgbClr val="0070C0"/>
               </a:solidFill>
             </a:rPr>
             <a:t>Проверяем является ли сайт значимым</a:t>
           </a:r>
-          <a:endParaRPr lang="ru-RU" sz="1600" b="1" kern="1200" dirty="0">
+          <a:endParaRPr lang="ru-RU" sz="1800" b="1" kern="1200" dirty="0">
             <a:solidFill>
               <a:srgbClr val="0070C0"/>
             </a:solidFill>
@@ -15218,7 +15196,7 @@
       </dsp:txBody>
       <dsp:txXfrm rot="-10800000">
         <a:off x="0" y="2963601"/>
-        <a:ext cx="8127999" cy="524908"/>
+        <a:ext cx="8128000" cy="524908"/>
       </dsp:txXfrm>
     </dsp:sp>
     <dsp:sp modelId="{1CF230D1-EAB0-4384-83A3-69A11466C681}">
@@ -15229,7 +15207,7 @@
       <dsp:spPr>
         <a:xfrm>
           <a:off x="0" y="3488509"/>
-          <a:ext cx="8127999" cy="447143"/>
+          <a:ext cx="8128000" cy="447143"/>
         </a:xfrm>
         <a:prstGeom prst="rect">
           <a:avLst/>
@@ -15271,12 +15249,12 @@
         <a:fontRef idx="minor"/>
       </dsp:style>
       <dsp:txBody>
-        <a:bodyPr spcFirstLastPara="0" vert="horz" wrap="square" lIns="149352" tIns="26670" rIns="149352" bIns="26670" numCol="1" spcCol="1270" anchor="ctr" anchorCtr="0">
+        <a:bodyPr spcFirstLastPara="0" vert="horz" wrap="square" lIns="184912" tIns="33020" rIns="184912" bIns="33020" numCol="1" spcCol="1270" anchor="ctr" anchorCtr="0">
           <a:noAutofit/>
         </a:bodyPr>
         <a:lstStyle/>
         <a:p>
-          <a:pPr lvl="0" algn="ctr" defTabSz="933450">
+          <a:pPr lvl="0" algn="ctr" defTabSz="1155700">
             <a:lnSpc>
               <a:spcPct val="90000"/>
             </a:lnSpc>
@@ -15288,15 +15266,15 @@
             </a:spcAft>
           </a:pPr>
           <a:r>
-            <a:rPr lang="ru-RU" sz="2100" kern="1200" dirty="0" smtClean="0"/>
+            <a:rPr lang="ru-RU" sz="2600" kern="1200" dirty="0" smtClean="0"/>
             <a:t>В зависимости от этого штрафуем или поощряем скор</a:t>
           </a:r>
-          <a:endParaRPr lang="ru-RU" sz="2100" kern="1200" dirty="0"/>
+          <a:endParaRPr lang="ru-RU" sz="2600" kern="1200" dirty="0"/>
         </a:p>
       </dsp:txBody>
       <dsp:txXfrm>
         <a:off x="0" y="3488509"/>
-        <a:ext cx="8127999" cy="447143"/>
+        <a:ext cx="8128000" cy="447143"/>
       </dsp:txXfrm>
     </dsp:sp>
     <dsp:sp modelId="{CDAEEF66-49AA-4403-A668-D548A9E60F69}">
@@ -15307,7 +15285,7 @@
       <dsp:spPr>
         <a:xfrm rot="10800000">
           <a:off x="0" y="1482721"/>
-          <a:ext cx="8127999" cy="1495464"/>
+          <a:ext cx="8128000" cy="1495464"/>
         </a:xfrm>
         <a:prstGeom prst="upArrowCallout">
           <a:avLst/>
@@ -15349,12 +15327,12 @@
         </a:fontRef>
       </dsp:style>
       <dsp:txBody>
-        <a:bodyPr spcFirstLastPara="0" vert="horz" wrap="square" lIns="113792" tIns="113792" rIns="113792" bIns="113792" numCol="1" spcCol="1270" anchor="ctr" anchorCtr="0">
+        <a:bodyPr spcFirstLastPara="0" vert="horz" wrap="square" lIns="128016" tIns="128016" rIns="128016" bIns="128016" numCol="1" spcCol="1270" anchor="ctr" anchorCtr="0">
           <a:noAutofit/>
         </a:bodyPr>
         <a:lstStyle/>
         <a:p>
-          <a:pPr lvl="0" algn="ctr" defTabSz="711200">
+          <a:pPr lvl="0" algn="ctr" defTabSz="800100">
             <a:lnSpc>
               <a:spcPct val="90000"/>
             </a:lnSpc>
@@ -15366,14 +15344,14 @@
             </a:spcAft>
           </a:pPr>
           <a:r>
-            <a:rPr lang="ru-RU" sz="1600" b="1" kern="1200" dirty="0" smtClean="0">
+            <a:rPr lang="ru-RU" sz="1800" b="1" kern="1200" dirty="0" smtClean="0">
               <a:solidFill>
                 <a:srgbClr val="0070C0"/>
               </a:solidFill>
             </a:rPr>
             <a:t>Обращаемся к словарю с сайтами</a:t>
           </a:r>
-          <a:endParaRPr lang="ru-RU" sz="1600" b="1" kern="1200" dirty="0">
+          <a:endParaRPr lang="ru-RU" sz="1800" b="1" kern="1200" dirty="0">
             <a:solidFill>
               <a:srgbClr val="0070C0"/>
             </a:solidFill>
@@ -15382,7 +15360,7 @@
       </dsp:txBody>
       <dsp:txXfrm rot="-10800000">
         <a:off x="0" y="1482721"/>
-        <a:ext cx="8127999" cy="524908"/>
+        <a:ext cx="8128000" cy="524908"/>
       </dsp:txXfrm>
     </dsp:sp>
     <dsp:sp modelId="{A3FF3B2D-752E-4FF4-99C7-15BFAA1226F3}">
@@ -15393,7 +15371,7 @@
       <dsp:spPr>
         <a:xfrm>
           <a:off x="0" y="2007629"/>
-          <a:ext cx="8127999" cy="447143"/>
+          <a:ext cx="8128000" cy="447143"/>
         </a:xfrm>
         <a:prstGeom prst="rect">
           <a:avLst/>
@@ -15435,12 +15413,12 @@
         <a:fontRef idx="minor"/>
       </dsp:style>
       <dsp:txBody>
-        <a:bodyPr spcFirstLastPara="0" vert="horz" wrap="square" lIns="149352" tIns="26670" rIns="149352" bIns="26670" numCol="1" spcCol="1270" anchor="ctr" anchorCtr="0">
+        <a:bodyPr spcFirstLastPara="0" vert="horz" wrap="square" lIns="184912" tIns="33020" rIns="184912" bIns="33020" numCol="1" spcCol="1270" anchor="ctr" anchorCtr="0">
           <a:noAutofit/>
         </a:bodyPr>
         <a:lstStyle/>
         <a:p>
-          <a:pPr lvl="0" algn="ctr" defTabSz="933450">
+          <a:pPr lvl="0" algn="ctr" defTabSz="1155700">
             <a:lnSpc>
               <a:spcPct val="90000"/>
             </a:lnSpc>
@@ -15452,15 +15430,15 @@
             </a:spcAft>
           </a:pPr>
           <a:r>
-            <a:rPr lang="ru-RU" sz="2100" kern="1200" dirty="0" smtClean="0"/>
+            <a:rPr lang="ru-RU" sz="2600" kern="1200" dirty="0" smtClean="0"/>
             <a:t>Получаем женский и мужской скор</a:t>
           </a:r>
-          <a:endParaRPr lang="ru-RU" sz="2100" kern="1200" dirty="0"/>
+          <a:endParaRPr lang="ru-RU" sz="2600" kern="1200" dirty="0"/>
         </a:p>
       </dsp:txBody>
       <dsp:txXfrm>
         <a:off x="0" y="2007629"/>
-        <a:ext cx="8127999" cy="447143"/>
+        <a:ext cx="8128000" cy="447143"/>
       </dsp:txXfrm>
     </dsp:sp>
     <dsp:sp modelId="{92E23B62-821A-4404-AA52-BD4957D4C9C1}">
@@ -15471,7 +15449,7 @@
       <dsp:spPr>
         <a:xfrm rot="10800000">
           <a:off x="0" y="1842"/>
-          <a:ext cx="8127999" cy="1495464"/>
+          <a:ext cx="8128000" cy="1495464"/>
         </a:xfrm>
         <a:prstGeom prst="upArrowCallout">
           <a:avLst/>
@@ -15513,12 +15491,12 @@
         </a:fontRef>
       </dsp:style>
       <dsp:txBody>
-        <a:bodyPr spcFirstLastPara="0" vert="horz" wrap="square" lIns="113792" tIns="113792" rIns="113792" bIns="113792" numCol="1" spcCol="1270" anchor="ctr" anchorCtr="0">
+        <a:bodyPr spcFirstLastPara="0" vert="horz" wrap="square" lIns="128016" tIns="128016" rIns="128016" bIns="128016" numCol="1" spcCol="1270" anchor="ctr" anchorCtr="0">
           <a:noAutofit/>
         </a:bodyPr>
         <a:lstStyle/>
         <a:p>
-          <a:pPr lvl="0" algn="ctr" defTabSz="711200">
+          <a:pPr lvl="0" algn="ctr" defTabSz="800100">
             <a:lnSpc>
               <a:spcPct val="90000"/>
             </a:lnSpc>
@@ -15530,14 +15508,14 @@
             </a:spcAft>
           </a:pPr>
           <a:r>
-            <a:rPr lang="ru-RU" sz="1600" b="1" kern="1200" dirty="0" smtClean="0">
+            <a:rPr lang="ru-RU" sz="1800" b="1" kern="1200" dirty="0" smtClean="0">
               <a:solidFill>
                 <a:srgbClr val="0070C0"/>
               </a:solidFill>
             </a:rPr>
             <a:t>Проходим по получившемуся полю заказы</a:t>
           </a:r>
-          <a:endParaRPr lang="ru-RU" sz="1600" b="1" kern="1200" dirty="0">
+          <a:endParaRPr lang="ru-RU" sz="1800" b="1" kern="1200" dirty="0">
             <a:solidFill>
               <a:srgbClr val="0070C0"/>
             </a:solidFill>
@@ -15546,7 +15524,7 @@
       </dsp:txBody>
       <dsp:txXfrm rot="-10800000">
         <a:off x="0" y="1842"/>
-        <a:ext cx="8127999" cy="524908"/>
+        <a:ext cx="8128000" cy="524908"/>
       </dsp:txXfrm>
     </dsp:sp>
     <dsp:sp modelId="{806CE513-90F5-4B65-BB1B-F96A0C036391}">
@@ -15557,7 +15535,7 @@
       <dsp:spPr>
         <a:xfrm>
           <a:off x="0" y="526750"/>
-          <a:ext cx="8127999" cy="447143"/>
+          <a:ext cx="8128000" cy="447143"/>
         </a:xfrm>
         <a:prstGeom prst="rect">
           <a:avLst/>
@@ -15599,12 +15577,12 @@
         <a:fontRef idx="minor"/>
       </dsp:style>
       <dsp:txBody>
-        <a:bodyPr spcFirstLastPara="0" vert="horz" wrap="square" lIns="149352" tIns="26670" rIns="149352" bIns="26670" numCol="1" spcCol="1270" anchor="ctr" anchorCtr="0">
+        <a:bodyPr spcFirstLastPara="0" vert="horz" wrap="square" lIns="184912" tIns="33020" rIns="184912" bIns="33020" numCol="1" spcCol="1270" anchor="ctr" anchorCtr="0">
           <a:noAutofit/>
         </a:bodyPr>
         <a:lstStyle/>
         <a:p>
-          <a:pPr lvl="0" algn="ctr" defTabSz="933450">
+          <a:pPr lvl="0" algn="ctr" defTabSz="1155700">
             <a:lnSpc>
               <a:spcPct val="90000"/>
             </a:lnSpc>
@@ -15616,27 +15594,27 @@
             </a:spcAft>
           </a:pPr>
           <a:r>
-            <a:rPr lang="ru-RU" sz="2100" kern="1200" dirty="0" smtClean="0"/>
+            <a:rPr lang="ru-RU" sz="2600" kern="1200" dirty="0" smtClean="0"/>
             <a:t>Получаем </a:t>
           </a:r>
           <a:r>
-            <a:rPr lang="en-US" sz="2100" kern="1200" dirty="0" smtClean="0"/>
+            <a:rPr lang="en-US" sz="2600" kern="1200" dirty="0" smtClean="0"/>
             <a:t>site</a:t>
           </a:r>
           <a:r>
-            <a:rPr lang="ru-RU" sz="2100" kern="1200" dirty="0" smtClean="0"/>
+            <a:rPr lang="ru-RU" sz="2600" kern="1200" dirty="0" smtClean="0"/>
             <a:t>_</a:t>
           </a:r>
           <a:r>
-            <a:rPr lang="en-US" sz="2100" kern="1200" dirty="0" smtClean="0"/>
+            <a:rPr lang="en-US" sz="2600" kern="1200" dirty="0" smtClean="0"/>
             <a:t>id</a:t>
           </a:r>
-          <a:endParaRPr lang="ru-RU" sz="2100" kern="1200" dirty="0"/>
+          <a:endParaRPr lang="ru-RU" sz="2600" kern="1200" dirty="0"/>
         </a:p>
       </dsp:txBody>
       <dsp:txXfrm>
         <a:off x="0" y="526750"/>
-        <a:ext cx="8127999" cy="447143"/>
+        <a:ext cx="8128000" cy="447143"/>
       </dsp:txXfrm>
     </dsp:sp>
   </dsp:spTree>
@@ -16185,19 +16163,7 @@
           </a:r>
           <a:r>
             <a:rPr lang="ru-RU" sz="1600" kern="1200" dirty="0" smtClean="0"/>
-            <a:t>меньше 3 сек, </a:t>
-          </a:r>
-          <a:r>
-            <a:rPr lang="ru-RU" sz="1600" kern="1200" dirty="0" smtClean="0"/>
-            <a:t>обучение всех словарей занимает не более </a:t>
-          </a:r>
-          <a:r>
-            <a:rPr lang="ru-RU" sz="1600" kern="1200" dirty="0" smtClean="0"/>
-            <a:t>6 </a:t>
-          </a:r>
-          <a:r>
-            <a:rPr lang="ru-RU" sz="1600" kern="1200" dirty="0" smtClean="0"/>
-            <a:t>минут</a:t>
+            <a:t>меньше 3 сек, обучение всех словарей занимает не более 6 минут</a:t>
           </a:r>
           <a:endParaRPr lang="ru-RU" sz="1600" kern="1200" dirty="0"/>
         </a:p>
@@ -16433,15 +16399,7 @@
           </a:pPr>
           <a:r>
             <a:rPr lang="ru-RU" sz="1600" kern="1200" dirty="0" smtClean="0"/>
-            <a:t>Если доделать вероятность точности </a:t>
-          </a:r>
-          <a:r>
-            <a:rPr lang="ru-RU" sz="1600" kern="1200" dirty="0" smtClean="0"/>
-            <a:t>предсказания, </a:t>
-          </a:r>
-          <a:r>
-            <a:rPr lang="ru-RU" sz="1600" kern="1200" dirty="0" smtClean="0"/>
-            <a:t>то модель можно будет использовать только когда она уверена в правильности</a:t>
+            <a:t>Если доделать вероятность точности предсказания, то модель можно будет использовать только когда она уверена в правильности</a:t>
           </a:r>
           <a:endParaRPr lang="ru-RU" sz="1600" kern="1200" dirty="0"/>
         </a:p>
@@ -16833,11 +16791,7 @@
           </a:r>
           <a:r>
             <a:rPr lang="ru-RU" sz="1800" kern="1200" dirty="0" smtClean="0"/>
-            <a:t>сильно </a:t>
-          </a:r>
-          <a:r>
-            <a:rPr lang="ru-RU" sz="1800" kern="1200" dirty="0" smtClean="0"/>
-            <a:t>поможет + работа над ошибками</a:t>
+            <a:t>сильно поможет + работа над ошибками</a:t>
           </a:r>
           <a:endParaRPr lang="ru-RU" sz="1800" kern="1200" dirty="0"/>
         </a:p>
@@ -28125,7 +28079,7 @@
           <a:p>
             <a:fld id="{B2C938E3-27A7-4003-9901-4F72383B47EF}" type="datetimeFigureOut">
               <a:rPr lang="ru-RU" smtClean="0"/>
-              <a:t>21.12.2023</a:t>
+              <a:t>22.12.2023</a:t>
             </a:fld>
             <a:endParaRPr lang="ru-RU"/>
           </a:p>
@@ -32668,7 +32622,7 @@
           <a:p>
             <a:fld id="{E1FC9F17-2E39-44D2-A8D6-9BF68AD5AC01}" type="datetimeFigureOut">
               <a:rPr lang="ru-RU" smtClean="0"/>
-              <a:t>21.12.2023</a:t>
+              <a:t>22.12.2023</a:t>
             </a:fld>
             <a:endParaRPr lang="ru-RU"/>
           </a:p>
@@ -32935,7 +32889,7 @@
           <a:p>
             <a:fld id="{E1FC9F17-2E39-44D2-A8D6-9BF68AD5AC01}" type="datetimeFigureOut">
               <a:rPr lang="ru-RU" smtClean="0"/>
-              <a:t>21.12.2023</a:t>
+              <a:t>22.12.2023</a:t>
             </a:fld>
             <a:endParaRPr lang="ru-RU"/>
           </a:p>
@@ -33131,7 +33085,7 @@
           <a:p>
             <a:fld id="{E1FC9F17-2E39-44D2-A8D6-9BF68AD5AC01}" type="datetimeFigureOut">
               <a:rPr lang="ru-RU" smtClean="0"/>
-              <a:t>21.12.2023</a:t>
+              <a:t>22.12.2023</a:t>
             </a:fld>
             <a:endParaRPr lang="ru-RU"/>
           </a:p>
@@ -33394,7 +33348,7 @@
           <a:p>
             <a:fld id="{E1FC9F17-2E39-44D2-A8D6-9BF68AD5AC01}" type="datetimeFigureOut">
               <a:rPr lang="ru-RU" smtClean="0"/>
-              <a:t>21.12.2023</a:t>
+              <a:t>22.12.2023</a:t>
             </a:fld>
             <a:endParaRPr lang="ru-RU"/>
           </a:p>
@@ -33828,7 +33782,7 @@
           <a:p>
             <a:fld id="{E1FC9F17-2E39-44D2-A8D6-9BF68AD5AC01}" type="datetimeFigureOut">
               <a:rPr lang="ru-RU" smtClean="0"/>
-              <a:t>21.12.2023</a:t>
+              <a:t>22.12.2023</a:t>
             </a:fld>
             <a:endParaRPr lang="ru-RU"/>
           </a:p>
@@ -34374,7 +34328,7 @@
           <a:p>
             <a:fld id="{E1FC9F17-2E39-44D2-A8D6-9BF68AD5AC01}" type="datetimeFigureOut">
               <a:rPr lang="ru-RU" smtClean="0"/>
-              <a:t>21.12.2023</a:t>
+              <a:t>22.12.2023</a:t>
             </a:fld>
             <a:endParaRPr lang="ru-RU"/>
           </a:p>
@@ -35094,7 +35048,7 @@
           <a:p>
             <a:fld id="{E1FC9F17-2E39-44D2-A8D6-9BF68AD5AC01}" type="datetimeFigureOut">
               <a:rPr lang="ru-RU" smtClean="0"/>
-              <a:t>21.12.2023</a:t>
+              <a:t>22.12.2023</a:t>
             </a:fld>
             <a:endParaRPr lang="ru-RU"/>
           </a:p>
@@ -35264,7 +35218,7 @@
           <a:p>
             <a:fld id="{E1FC9F17-2E39-44D2-A8D6-9BF68AD5AC01}" type="datetimeFigureOut">
               <a:rPr lang="ru-RU" smtClean="0"/>
-              <a:t>21.12.2023</a:t>
+              <a:t>22.12.2023</a:t>
             </a:fld>
             <a:endParaRPr lang="ru-RU"/>
           </a:p>
@@ -35444,7 +35398,7 @@
           <a:p>
             <a:fld id="{E1FC9F17-2E39-44D2-A8D6-9BF68AD5AC01}" type="datetimeFigureOut">
               <a:rPr lang="ru-RU" smtClean="0"/>
-              <a:t>21.12.2023</a:t>
+              <a:t>22.12.2023</a:t>
             </a:fld>
             <a:endParaRPr lang="ru-RU"/>
           </a:p>
@@ -35614,7 +35568,7 @@
           <a:p>
             <a:fld id="{E1FC9F17-2E39-44D2-A8D6-9BF68AD5AC01}" type="datetimeFigureOut">
               <a:rPr lang="ru-RU" smtClean="0"/>
-              <a:t>21.12.2023</a:t>
+              <a:t>22.12.2023</a:t>
             </a:fld>
             <a:endParaRPr lang="ru-RU"/>
           </a:p>
@@ -35864,7 +35818,7 @@
           <a:p>
             <a:fld id="{E1FC9F17-2E39-44D2-A8D6-9BF68AD5AC01}" type="datetimeFigureOut">
               <a:rPr lang="ru-RU" smtClean="0"/>
-              <a:t>21.12.2023</a:t>
+              <a:t>22.12.2023</a:t>
             </a:fld>
             <a:endParaRPr lang="ru-RU"/>
           </a:p>
@@ -36096,7 +36050,7 @@
           <a:p>
             <a:fld id="{E1FC9F17-2E39-44D2-A8D6-9BF68AD5AC01}" type="datetimeFigureOut">
               <a:rPr lang="ru-RU" smtClean="0"/>
-              <a:t>21.12.2023</a:t>
+              <a:t>22.12.2023</a:t>
             </a:fld>
             <a:endParaRPr lang="ru-RU"/>
           </a:p>
@@ -36477,7 +36431,7 @@
           <a:p>
             <a:fld id="{E1FC9F17-2E39-44D2-A8D6-9BF68AD5AC01}" type="datetimeFigureOut">
               <a:rPr lang="ru-RU" smtClean="0"/>
-              <a:t>21.12.2023</a:t>
+              <a:t>22.12.2023</a:t>
             </a:fld>
             <a:endParaRPr lang="ru-RU"/>
           </a:p>
@@ -36595,7 +36549,7 @@
           <a:p>
             <a:fld id="{E1FC9F17-2E39-44D2-A8D6-9BF68AD5AC01}" type="datetimeFigureOut">
               <a:rPr lang="ru-RU" smtClean="0"/>
-              <a:t>21.12.2023</a:t>
+              <a:t>22.12.2023</a:t>
             </a:fld>
             <a:endParaRPr lang="ru-RU"/>
           </a:p>
@@ -36690,7 +36644,7 @@
           <a:p>
             <a:fld id="{E1FC9F17-2E39-44D2-A8D6-9BF68AD5AC01}" type="datetimeFigureOut">
               <a:rPr lang="ru-RU" smtClean="0"/>
-              <a:t>21.12.2023</a:t>
+              <a:t>22.12.2023</a:t>
             </a:fld>
             <a:endParaRPr lang="ru-RU"/>
           </a:p>
@@ -36939,7 +36893,7 @@
           <a:p>
             <a:fld id="{E1FC9F17-2E39-44D2-A8D6-9BF68AD5AC01}" type="datetimeFigureOut">
               <a:rPr lang="ru-RU" smtClean="0"/>
-              <a:t>21.12.2023</a:t>
+              <a:t>22.12.2023</a:t>
             </a:fld>
             <a:endParaRPr lang="ru-RU"/>
           </a:p>
@@ -37219,7 +37173,7 @@
           <a:p>
             <a:fld id="{E1FC9F17-2E39-44D2-A8D6-9BF68AD5AC01}" type="datetimeFigureOut">
               <a:rPr lang="ru-RU" smtClean="0"/>
-              <a:t>21.12.2023</a:t>
+              <a:t>22.12.2023</a:t>
             </a:fld>
             <a:endParaRPr lang="ru-RU"/>
           </a:p>
@@ -40296,7 +40250,7 @@
           <a:p>
             <a:fld id="{E1FC9F17-2E39-44D2-A8D6-9BF68AD5AC01}" type="datetimeFigureOut">
               <a:rPr lang="ru-RU" smtClean="0"/>
-              <a:t>21.12.2023</a:t>
+              <a:t>22.12.2023</a:t>
             </a:fld>
             <a:endParaRPr lang="ru-RU"/>
           </a:p>
@@ -40831,10 +40785,10 @@
           <p:cNvPr id="139" name="Round Diagonal Corner Rectangle 6">
             <a:extLst>
               <a:ext uri="{FF2B5EF4-FFF2-40B4-BE49-F238E27FC236}">
-                <a16:creationId xmlns:a16="http://schemas.microsoft.com/office/drawing/2014/main" xmlns="" id="{01958E0A-0BC1-424F-9B41-D614FC13A47E}"/>
+                <a16:creationId xmlns:a16="http://schemas.microsoft.com/office/drawing/2014/main" id="{01958E0A-0BC1-424F-9B41-D614FC13A47E}"/>
               </a:ext>
               <a:ext uri="{C183D7F6-B498-43B3-948B-1728B52AA6E4}">
-                <adec:decorative xmlns:adec="http://schemas.microsoft.com/office/drawing/2017/decorative" xmlns="" val="1"/>
+                <adec:decorative xmlns="" xmlns:adec="http://schemas.microsoft.com/office/drawing/2017/decorative" val="1"/>
               </a:ext>
             </a:extLst>
           </p:cNvPr>
@@ -40844,7 +40798,7 @@
           <p:nvPr>
             <p:extLst>
               <p:ext uri="{386F3935-93C4-4BCD-93E2-E3B085C9AB24}">
-                <p16:designElem xmlns:p16="http://schemas.microsoft.com/office/powerpoint/2015/main" xmlns="" val="1"/>
+                <p16:designElem xmlns:p16="http://schemas.microsoft.com/office/powerpoint/2015/main" val="1"/>
               </p:ext>
             </p:extLst>
           </p:nvPr>
@@ -40911,7 +40865,7 @@
           <p:cNvPr id="4" name="Рисунок 3" descr="Изображение выглядит как логотип&#10;&#10;Автоматически созданное описание">
             <a:extLst>
               <a:ext uri="{FF2B5EF4-FFF2-40B4-BE49-F238E27FC236}">
-                <a16:creationId xmlns:a16="http://schemas.microsoft.com/office/drawing/2014/main" xmlns="" id="{FDCE74C3-59FE-68A3-31E4-81A5087D7AEC}"/>
+                <a16:creationId xmlns:a16="http://schemas.microsoft.com/office/drawing/2014/main" id="{FDCE74C3-59FE-68A3-31E4-81A5087D7AEC}"/>
               </a:ext>
             </a:extLst>
           </p:cNvPr>
@@ -41011,15 +40965,7 @@
           <a:p>
             <a:r>
               <a:rPr lang="ru-RU" u="sng" dirty="0" smtClean="0"/>
-              <a:t>Мужчины с </a:t>
-            </a:r>
-            <a:r>
-              <a:rPr lang="ru-RU" u="sng" dirty="0" smtClean="0"/>
-              <a:t>марса, </a:t>
-            </a:r>
-            <a:r>
-              <a:rPr lang="ru-RU" u="sng" dirty="0" smtClean="0"/>
-              <a:t>женщины с Венеры</a:t>
+              <a:t>Мужчины с марса, женщины с Венеры</a:t>
             </a:r>
             <a:endParaRPr lang="ru-RU" u="sng" dirty="0"/>
           </a:p>
@@ -41281,23 +41227,7 @@
             </a:pPr>
             <a:r>
               <a:rPr lang="ru-RU" sz="2400" dirty="0" smtClean="0"/>
-              <a:t>Определить </a:t>
-            </a:r>
-            <a:r>
-              <a:rPr lang="ru-RU" sz="2400" dirty="0" smtClean="0"/>
-              <a:t>«чисто» </a:t>
-            </a:r>
-            <a:r>
-              <a:rPr lang="ru-RU" sz="2400" dirty="0" smtClean="0"/>
-              <a:t>мужское проще чем </a:t>
-            </a:r>
-            <a:r>
-              <a:rPr lang="ru-RU" sz="2400" dirty="0" smtClean="0"/>
-              <a:t>«чисто» </a:t>
-            </a:r>
-            <a:r>
-              <a:rPr lang="ru-RU" sz="2400" dirty="0" smtClean="0"/>
-              <a:t>женское</a:t>
+              <a:t>Определить «чисто» мужское проще чем «чисто» женское</a:t>
             </a:r>
             <a:endParaRPr lang="ru-RU" sz="2400" dirty="0"/>
           </a:p>
@@ -41452,7 +41382,7 @@
           <p:cNvPr id="18" name="Picture 8">
             <a:extLst>
               <a:ext uri="{FF2B5EF4-FFF2-40B4-BE49-F238E27FC236}">
-                <a16:creationId xmlns:a16="http://schemas.microsoft.com/office/drawing/2014/main" xmlns="" id="{71E97E2C-26A6-AD58-3214-8F6EE11D76C6}"/>
+                <a16:creationId xmlns:a16="http://schemas.microsoft.com/office/drawing/2014/main" id="{71E97E2C-26A6-AD58-3214-8F6EE11D76C6}"/>
               </a:ext>
             </a:extLst>
           </p:cNvPr>
@@ -41499,7 +41429,7 @@
           <p:cNvPr id="20" name="Picture 10">
             <a:extLst>
               <a:ext uri="{FF2B5EF4-FFF2-40B4-BE49-F238E27FC236}">
-                <a16:creationId xmlns:a16="http://schemas.microsoft.com/office/drawing/2014/main" xmlns="" id="{51DC9961-1BBC-C091-FD5D-F9F6CE6E6A4A}"/>
+                <a16:creationId xmlns:a16="http://schemas.microsoft.com/office/drawing/2014/main" id="{51DC9961-1BBC-C091-FD5D-F9F6CE6E6A4A}"/>
               </a:ext>
             </a:extLst>
           </p:cNvPr>
@@ -41729,7 +41659,7 @@
           <p:cNvPr id="25" name="Picture 8">
             <a:extLst>
               <a:ext uri="{FF2B5EF4-FFF2-40B4-BE49-F238E27FC236}">
-                <a16:creationId xmlns:a16="http://schemas.microsoft.com/office/drawing/2014/main" xmlns="" id="{71E97E2C-26A6-AD58-3214-8F6EE11D76C6}"/>
+                <a16:creationId xmlns:a16="http://schemas.microsoft.com/office/drawing/2014/main" id="{71E97E2C-26A6-AD58-3214-8F6EE11D76C6}"/>
               </a:ext>
             </a:extLst>
           </p:cNvPr>
@@ -41776,7 +41706,7 @@
           <p:cNvPr id="26" name="Picture 8">
             <a:extLst>
               <a:ext uri="{FF2B5EF4-FFF2-40B4-BE49-F238E27FC236}">
-                <a16:creationId xmlns:a16="http://schemas.microsoft.com/office/drawing/2014/main" xmlns="" id="{71E97E2C-26A6-AD58-3214-8F6EE11D76C6}"/>
+                <a16:creationId xmlns:a16="http://schemas.microsoft.com/office/drawing/2014/main" id="{71E97E2C-26A6-AD58-3214-8F6EE11D76C6}"/>
               </a:ext>
             </a:extLst>
           </p:cNvPr>
@@ -41823,7 +41753,7 @@
           <p:cNvPr id="27" name="Picture 10">
             <a:extLst>
               <a:ext uri="{FF2B5EF4-FFF2-40B4-BE49-F238E27FC236}">
-                <a16:creationId xmlns:a16="http://schemas.microsoft.com/office/drawing/2014/main" xmlns="" id="{51DC9961-1BBC-C091-FD5D-F9F6CE6E6A4A}"/>
+                <a16:creationId xmlns:a16="http://schemas.microsoft.com/office/drawing/2014/main" id="{51DC9961-1BBC-C091-FD5D-F9F6CE6E6A4A}"/>
               </a:ext>
             </a:extLst>
           </p:cNvPr>
@@ -41954,7 +41884,7 @@
           <p:cNvPr id="1028" name="Picture 4">
             <a:extLst>
               <a:ext uri="{FF2B5EF4-FFF2-40B4-BE49-F238E27FC236}">
-                <a16:creationId xmlns:a16="http://schemas.microsoft.com/office/drawing/2014/main" xmlns="" id="{5FC3594F-B594-25BD-F2B8-226FD87277EE}"/>
+                <a16:creationId xmlns:a16="http://schemas.microsoft.com/office/drawing/2014/main" id="{5FC3594F-B594-25BD-F2B8-226FD87277EE}"/>
               </a:ext>
             </a:extLst>
           </p:cNvPr>
@@ -42001,7 +41931,7 @@
           <p:cNvPr id="3" name="Схема 2">
             <a:extLst>
               <a:ext uri="{FF2B5EF4-FFF2-40B4-BE49-F238E27FC236}">
-                <a16:creationId xmlns:a16="http://schemas.microsoft.com/office/drawing/2014/main" xmlns="" id="{DDC84985-3454-7798-A121-6CC9BF745132}"/>
+                <a16:creationId xmlns:a16="http://schemas.microsoft.com/office/drawing/2014/main" id="{DDC84985-3454-7798-A121-6CC9BF745132}"/>
               </a:ext>
             </a:extLst>
           </p:cNvPr>
@@ -42029,7 +41959,7 @@
           <p:cNvPr id="1026" name="Picture 2">
             <a:extLst>
               <a:ext uri="{FF2B5EF4-FFF2-40B4-BE49-F238E27FC236}">
-                <a16:creationId xmlns:a16="http://schemas.microsoft.com/office/drawing/2014/main" xmlns="" id="{CB9DAE34-7A93-FDC4-E58D-A87FB550BFFF}"/>
+                <a16:creationId xmlns:a16="http://schemas.microsoft.com/office/drawing/2014/main" id="{CB9DAE34-7A93-FDC4-E58D-A87FB550BFFF}"/>
               </a:ext>
             </a:extLst>
           </p:cNvPr>
@@ -42252,11 +42182,7 @@
             <a:pPr algn="ctr"/>
             <a:r>
               <a:rPr lang="ru-RU" u="sng" dirty="0" smtClean="0"/>
-              <a:t>Рабочая модель «Жадные словари» Точность - </a:t>
-            </a:r>
-            <a:r>
-              <a:rPr lang="ru-RU" u="sng" dirty="0" smtClean="0"/>
-              <a:t>0,80 </a:t>
+              <a:t>Рабочая модель «Жадные словари» Точность - 0,80 </a:t>
             </a:r>
             <a:endParaRPr lang="ru-RU" u="sng" dirty="0"/>
           </a:p>
@@ -42356,7 +42282,7 @@
           <p:cNvPr id="5" name="Схема 4">
             <a:extLst>
               <a:ext uri="{FF2B5EF4-FFF2-40B4-BE49-F238E27FC236}">
-                <a16:creationId xmlns:a16="http://schemas.microsoft.com/office/drawing/2014/main" xmlns="" id="{1AEA5409-1241-950F-E73C-EB1573212ACF}"/>
+                <a16:creationId xmlns:a16="http://schemas.microsoft.com/office/drawing/2014/main" id="{1AEA5409-1241-950F-E73C-EB1573212ACF}"/>
               </a:ext>
             </a:extLst>
           </p:cNvPr>
@@ -42384,7 +42310,7 @@
           <p:cNvPr id="3" name="TextBox 2">
             <a:extLst>
               <a:ext uri="{FF2B5EF4-FFF2-40B4-BE49-F238E27FC236}">
-                <a16:creationId xmlns:a16="http://schemas.microsoft.com/office/drawing/2014/main" xmlns="" id="{5CCA9E0A-0F8B-261A-D2D9-4619E1922598}"/>
+                <a16:creationId xmlns:a16="http://schemas.microsoft.com/office/drawing/2014/main" id="{5CCA9E0A-0F8B-261A-D2D9-4619E1922598}"/>
               </a:ext>
             </a:extLst>
           </p:cNvPr>
@@ -42420,7 +42346,7 @@
           <p:cNvPr id="4" name="Прямоугольник: скругленные углы 3">
             <a:extLst>
               <a:ext uri="{FF2B5EF4-FFF2-40B4-BE49-F238E27FC236}">
-                <a16:creationId xmlns:a16="http://schemas.microsoft.com/office/drawing/2014/main" xmlns="" id="{6D780029-D6D3-C440-C5A2-00DC2FC60F72}"/>
+                <a16:creationId xmlns:a16="http://schemas.microsoft.com/office/drawing/2014/main" id="{6D780029-D6D3-C440-C5A2-00DC2FC60F72}"/>
               </a:ext>
             </a:extLst>
           </p:cNvPr>
@@ -42469,7 +42395,7 @@
           <p:cNvPr id="6" name="Прямоугольник: скругленные углы 5">
             <a:extLst>
               <a:ext uri="{FF2B5EF4-FFF2-40B4-BE49-F238E27FC236}">
-                <a16:creationId xmlns:a16="http://schemas.microsoft.com/office/drawing/2014/main" xmlns="" id="{4AD10EA6-DD31-14B8-FB14-5543379CC76F}"/>
+                <a16:creationId xmlns:a16="http://schemas.microsoft.com/office/drawing/2014/main" id="{4AD10EA6-DD31-14B8-FB14-5543379CC76F}"/>
               </a:ext>
             </a:extLst>
           </p:cNvPr>
@@ -42518,7 +42444,7 @@
           <p:cNvPr id="7" name="Прямоугольник: скругленные углы 6">
             <a:extLst>
               <a:ext uri="{FF2B5EF4-FFF2-40B4-BE49-F238E27FC236}">
-                <a16:creationId xmlns:a16="http://schemas.microsoft.com/office/drawing/2014/main" xmlns="" id="{1126B7A5-DC40-C6A8-9F2C-C41CAC1854D0}"/>
+                <a16:creationId xmlns:a16="http://schemas.microsoft.com/office/drawing/2014/main" id="{1126B7A5-DC40-C6A8-9F2C-C41CAC1854D0}"/>
               </a:ext>
             </a:extLst>
           </p:cNvPr>
@@ -42567,7 +42493,7 @@
           <p:cNvPr id="2056" name="Picture 8">
             <a:extLst>
               <a:ext uri="{FF2B5EF4-FFF2-40B4-BE49-F238E27FC236}">
-                <a16:creationId xmlns:a16="http://schemas.microsoft.com/office/drawing/2014/main" xmlns="" id="{71E97E2C-26A6-AD58-3214-8F6EE11D76C6}"/>
+                <a16:creationId xmlns:a16="http://schemas.microsoft.com/office/drawing/2014/main" id="{71E97E2C-26A6-AD58-3214-8F6EE11D76C6}"/>
               </a:ext>
             </a:extLst>
           </p:cNvPr>
@@ -42614,7 +42540,7 @@
           <p:cNvPr id="2058" name="Picture 10">
             <a:extLst>
               <a:ext uri="{FF2B5EF4-FFF2-40B4-BE49-F238E27FC236}">
-                <a16:creationId xmlns:a16="http://schemas.microsoft.com/office/drawing/2014/main" xmlns="" id="{51DC9961-1BBC-C091-FD5D-F9F6CE6E6A4A}"/>
+                <a16:creationId xmlns:a16="http://schemas.microsoft.com/office/drawing/2014/main" id="{51DC9961-1BBC-C091-FD5D-F9F6CE6E6A4A}"/>
               </a:ext>
             </a:extLst>
           </p:cNvPr>
@@ -42732,7 +42658,7 @@
           <p:cNvPr id="63" name="Content Placeholder 10">
             <a:extLst>
               <a:ext uri="{FF2B5EF4-FFF2-40B4-BE49-F238E27FC236}">
-                <a16:creationId xmlns:a16="http://schemas.microsoft.com/office/drawing/2014/main" xmlns="" id="{29FB001F-B64F-8FC8-4566-0CB508BD1BFA}"/>
+                <a16:creationId xmlns:a16="http://schemas.microsoft.com/office/drawing/2014/main" id="{29FB001F-B64F-8FC8-4566-0CB508BD1BFA}"/>
               </a:ext>
             </a:extLst>
           </p:cNvPr>
@@ -42823,11 +42749,7 @@
           <a:p>
             <a:r>
               <a:rPr lang="en-US" sz="1600" b="1" dirty="0" err="1" smtClean="0"/>
-              <a:t>f</a:t>
-            </a:r>
-            <a:r>
-              <a:rPr lang="en-US" sz="1600" b="1" dirty="0" err="1" smtClean="0"/>
-              <a:t>inal_code</a:t>
+              <a:t>final_code</a:t>
             </a:r>
             <a:r>
               <a:rPr lang="en-US" sz="1400" dirty="0" smtClean="0"/>
@@ -42890,11 +42812,7 @@
             </a:r>
             <a:r>
               <a:rPr lang="ru-RU" sz="1400" dirty="0" smtClean="0"/>
-              <a:t>этапы разработки основного </a:t>
-            </a:r>
-            <a:r>
-              <a:rPr lang="ru-RU" sz="1400" dirty="0" smtClean="0"/>
-              <a:t>алгоритма и другие алгоритмы в том числе классические алгоритмы </a:t>
+              <a:t>этапы разработки основного алгоритма и другие алгоритмы в том числе классические алгоритмы </a:t>
             </a:r>
             <a:r>
               <a:rPr lang="en-US" sz="1400" dirty="0" smtClean="0"/>
@@ -42964,7 +42882,7 @@
           <p:cNvPr id="5" name="Рисунок 4" descr="Изображение выглядит как логотип&#10;&#10;Автоматически созданное описание">
             <a:extLst>
               <a:ext uri="{FF2B5EF4-FFF2-40B4-BE49-F238E27FC236}">
-                <a16:creationId xmlns:a16="http://schemas.microsoft.com/office/drawing/2014/main" xmlns="" id="{FDCE74C3-59FE-68A3-31E4-81A5087D7AEC}"/>
+                <a16:creationId xmlns:a16="http://schemas.microsoft.com/office/drawing/2014/main" id="{FDCE74C3-59FE-68A3-31E4-81A5087D7AEC}"/>
               </a:ext>
             </a:extLst>
           </p:cNvPr>
@@ -43003,59 +42921,18 @@
           </a:prstGeom>
         </p:spPr>
       </p:pic>
-      <p:pic>
-        <p:nvPicPr>
-          <p:cNvPr id="1026" name="Picture 2" descr="https://res.cloudinary.com/practicaldev/image/fetch/s--fURC8_qX--/c_imagga_scale,f_auto,fl_progressive,h_500,q_auto,w_1000/https:/dev-to-uploads.s3.amazonaws.com/i/l23lcfi8o299kxgm7id6.png"/>
-          <p:cNvPicPr>
-            <a:picLocks noChangeAspect="1" noChangeArrowheads="1"/>
-          </p:cNvPicPr>
-          <p:nvPr/>
-        </p:nvPicPr>
-        <p:blipFill>
-          <a:blip r:embed="rId4" cstate="print">
-            <a:extLst>
-              <a:ext uri="{28A0092B-C50C-407E-A947-70E740481C1C}">
-                <a14:useLocalDpi xmlns:a14="http://schemas.microsoft.com/office/drawing/2010/main" val="0"/>
-              </a:ext>
-            </a:extLst>
-          </a:blip>
-          <a:srcRect/>
-          <a:stretch>
-            <a:fillRect/>
-          </a:stretch>
-        </p:blipFill>
-        <p:spPr bwMode="auto">
-          <a:xfrm>
-            <a:off x="3657600" y="1597872"/>
-            <a:ext cx="2560070" cy="1280035"/>
-          </a:xfrm>
-          <a:prstGeom prst="rect">
-            <a:avLst/>
-          </a:prstGeom>
-          <a:noFill/>
-          <a:extLst>
-            <a:ext uri="{909E8E84-426E-40DD-AFC4-6F175D3DCCD1}">
-              <a14:hiddenFill xmlns:a14="http://schemas.microsoft.com/office/drawing/2010/main">
-                <a:solidFill>
-                  <a:srgbClr val="FFFFFF"/>
-                </a:solidFill>
-              </a14:hiddenFill>
-            </a:ext>
-          </a:extLst>
-        </p:spPr>
-      </p:pic>
       <p:sp>
         <p:nvSpPr>
           <p:cNvPr id="8" name="Прямоугольник 7">
-            <a:hlinkClick r:id="rId5"/>
+            <a:hlinkClick r:id="rId4"/>
           </p:cNvPr>
           <p:cNvSpPr/>
           <p:nvPr/>
         </p:nvSpPr>
         <p:spPr>
           <a:xfrm>
-            <a:off x="301752" y="4265783"/>
-            <a:ext cx="6117336" cy="369332"/>
+            <a:off x="722377" y="3746331"/>
+            <a:ext cx="5373622" cy="369332"/>
           </a:xfrm>
           <a:prstGeom prst="rect">
             <a:avLst/>
@@ -43067,23 +42944,94 @@
           </a:bodyPr>
           <a:lstStyle/>
           <a:p>
+            <a:pPr algn="ctr"/>
             <a:r>
               <a:rPr lang="en-US" u="sng" dirty="0">
-                <a:solidFill>
-                  <a:srgbClr val="0070C0"/>
-                </a:solidFill>
-                <a:hlinkClick r:id="rId6"/>
+                <a:ln w="0"/>
+                <a:gradFill>
+                  <a:gsLst>
+                    <a:gs pos="0">
+                      <a:schemeClr val="accent5">
+                        <a:lumMod val="50000"/>
+                      </a:schemeClr>
+                    </a:gs>
+                    <a:gs pos="50000">
+                      <a:schemeClr val="accent5"/>
+                    </a:gs>
+                    <a:gs pos="100000">
+                      <a:schemeClr val="accent5">
+                        <a:lumMod val="60000"/>
+                        <a:lumOff val="40000"/>
+                      </a:schemeClr>
+                    </a:gs>
+                  </a:gsLst>
+                  <a:lin ang="5400000"/>
+                </a:gradFill>
+                <a:effectLst>
+                  <a:reflection blurRad="6350" stA="53000" endA="300" endPos="35500" dir="5400000" sy="-90000" algn="bl" rotWithShape="0"/>
+                </a:effectLst>
+                <a:hlinkClick r:id="rId5"/>
               </a:rPr>
               <a:t>https://github.com/Excellents1/flocktory_gender.git</a:t>
             </a:r>
             <a:endParaRPr lang="ru-RU" u="sng" dirty="0">
-              <a:solidFill>
-                <a:srgbClr val="0070C0"/>
-              </a:solidFill>
+              <a:ln w="0"/>
+              <a:gradFill>
+                <a:gsLst>
+                  <a:gs pos="0">
+                    <a:schemeClr val="accent5">
+                      <a:lumMod val="50000"/>
+                    </a:schemeClr>
+                  </a:gs>
+                  <a:gs pos="50000">
+                    <a:schemeClr val="accent5"/>
+                  </a:gs>
+                  <a:gs pos="100000">
+                    <a:schemeClr val="accent5">
+                      <a:lumMod val="60000"/>
+                      <a:lumOff val="40000"/>
+                    </a:schemeClr>
+                  </a:gs>
+                </a:gsLst>
+                <a:lin ang="5400000"/>
+              </a:gradFill>
+              <a:effectLst>
+                <a:reflection blurRad="6350" stA="53000" endA="300" endPos="35500" dir="5400000" sy="-90000" algn="bl" rotWithShape="0"/>
+              </a:effectLst>
             </a:endParaRPr>
           </a:p>
         </p:txBody>
       </p:sp>
+      <p:pic>
+        <p:nvPicPr>
+          <p:cNvPr id="4" name="Рисунок 3"/>
+          <p:cNvPicPr>
+            <a:picLocks noChangeAspect="1"/>
+          </p:cNvPicPr>
+          <p:nvPr/>
+        </p:nvPicPr>
+        <p:blipFill>
+          <a:blip r:embed="rId6" cstate="print">
+            <a:extLst>
+              <a:ext uri="{28A0092B-C50C-407E-A947-70E740481C1C}">
+                <a14:useLocalDpi xmlns:a14="http://schemas.microsoft.com/office/drawing/2010/main" val="0"/>
+              </a:ext>
+            </a:extLst>
+          </a:blip>
+          <a:stretch>
+            <a:fillRect/>
+          </a:stretch>
+        </p:blipFill>
+        <p:spPr>
+          <a:xfrm>
+            <a:off x="3568327" y="936165"/>
+            <a:ext cx="2527673" cy="2527673"/>
+          </a:xfrm>
+          <a:prstGeom prst="rect">
+            <a:avLst/>
+          </a:prstGeom>
+        </p:spPr>
+      </p:pic>
     </p:spTree>
     <p:extLst>
       <p:ext uri="{BB962C8B-B14F-4D97-AF65-F5344CB8AC3E}">
@@ -43426,7 +43374,7 @@
           <p:cNvPr id="4" name="Рисунок 3" descr="Изображение выглядит как текст, графическая вставка&#10;&#10;Автоматически созданное описание">
             <a:extLst>
               <a:ext uri="{FF2B5EF4-FFF2-40B4-BE49-F238E27FC236}">
-                <a16:creationId xmlns:a16="http://schemas.microsoft.com/office/drawing/2014/main" xmlns="" id="{C264A6D5-6798-6EC9-1088-643373D3EE59}"/>
+                <a16:creationId xmlns:a16="http://schemas.microsoft.com/office/drawing/2014/main" id="{C264A6D5-6798-6EC9-1088-643373D3EE59}"/>
               </a:ext>
             </a:extLst>
           </p:cNvPr>
@@ -43442,7 +43390,7 @@
                 <a14:useLocalDpi xmlns:a14="http://schemas.microsoft.com/office/drawing/2010/main" val="0"/>
               </a:ext>
               <a:ext uri="{837473B0-CC2E-450A-ABE3-18F120FF3D39}">
-                <a1611:picAttrSrcUrl xmlns:a1611="http://schemas.microsoft.com/office/drawing/2016/11/main" xmlns="" r:id="rId8"/>
+                <a1611:picAttrSrcUrl xmlns="" xmlns:a1611="http://schemas.microsoft.com/office/drawing/2016/11/main" r:id="rId8"/>
               </a:ext>
             </a:extLst>
           </a:blip>
@@ -43485,7 +43433,7 @@
           <p:cNvPr id="5" name="Рисунок 4">
             <a:extLst>
               <a:ext uri="{FF2B5EF4-FFF2-40B4-BE49-F238E27FC236}">
-                <a16:creationId xmlns:a16="http://schemas.microsoft.com/office/drawing/2014/main" xmlns="" id="{2533A424-C751-8AF9-E46F-7506D48A1A93}"/>
+                <a16:creationId xmlns:a16="http://schemas.microsoft.com/office/drawing/2014/main" id="{2533A424-C751-8AF9-E46F-7506D48A1A93}"/>
               </a:ext>
             </a:extLst>
           </p:cNvPr>
@@ -43515,7 +43463,7 @@
           <p:cNvPr id="7" name="Рисунок 6" descr="Изображение выглядит как Графика, Шрифт, логотип, графическая вставка&#10;&#10;Автоматически созданное описание">
             <a:extLst>
               <a:ext uri="{FF2B5EF4-FFF2-40B4-BE49-F238E27FC236}">
-                <a16:creationId xmlns:a16="http://schemas.microsoft.com/office/drawing/2014/main" xmlns="" id="{1222BDB5-A580-F238-D005-E84C075A5239}"/>
+                <a16:creationId xmlns:a16="http://schemas.microsoft.com/office/drawing/2014/main" id="{1222BDB5-A580-F238-D005-E84C075A5239}"/>
               </a:ext>
             </a:extLst>
           </p:cNvPr>
@@ -43588,7 +43536,7 @@
           <p:cNvPr id="8" name="TextBox 7">
             <a:extLst>
               <a:ext uri="{FF2B5EF4-FFF2-40B4-BE49-F238E27FC236}">
-                <a16:creationId xmlns:a16="http://schemas.microsoft.com/office/drawing/2014/main" xmlns="" id="{A9171C7C-17D5-4899-0F52-64AF0578C420}"/>
+                <a16:creationId xmlns:a16="http://schemas.microsoft.com/office/drawing/2014/main" id="{A9171C7C-17D5-4899-0F52-64AF0578C420}"/>
               </a:ext>
             </a:extLst>
           </p:cNvPr>
@@ -43645,7 +43593,7 @@
           <p:cNvPr id="6" name="Рисунок 5">
             <a:extLst>
               <a:ext uri="{FF2B5EF4-FFF2-40B4-BE49-F238E27FC236}">
-                <a16:creationId xmlns:a16="http://schemas.microsoft.com/office/drawing/2014/main" xmlns="" id="{20CCDF02-0404-A99E-2463-6A74FCA2F0B8}"/>
+                <a16:creationId xmlns:a16="http://schemas.microsoft.com/office/drawing/2014/main" id="{20CCDF02-0404-A99E-2463-6A74FCA2F0B8}"/>
               </a:ext>
             </a:extLst>
           </p:cNvPr>
@@ -43688,7 +43636,7 @@
         </p:spPr>
         <p:txBody>
           <a:bodyPr>
-            <a:normAutofit fontScale="90000"/>
+            <a:normAutofit/>
           </a:bodyPr>
           <a:lstStyle/>
           <a:p>
@@ -43704,7 +43652,7 @@
           <p:cNvPr id="9" name="TextBox 8">
             <a:extLst>
               <a:ext uri="{FF2B5EF4-FFF2-40B4-BE49-F238E27FC236}">
-                <a16:creationId xmlns:a16="http://schemas.microsoft.com/office/drawing/2014/main" xmlns="" id="{891ACD06-EA64-E629-73CA-F1A040670646}"/>
+                <a16:creationId xmlns:a16="http://schemas.microsoft.com/office/drawing/2014/main" id="{891ACD06-EA64-E629-73CA-F1A040670646}"/>
               </a:ext>
             </a:extLst>
           </p:cNvPr>
@@ -43840,7 +43788,7 @@
           <p:cNvPr id="16" name="Рисунок 15">
             <a:extLst>
               <a:ext uri="{FF2B5EF4-FFF2-40B4-BE49-F238E27FC236}">
-                <a16:creationId xmlns:a16="http://schemas.microsoft.com/office/drawing/2014/main" xmlns="" id="{E9C938BF-2ECA-0F24-A943-0C59E4E53930}"/>
+                <a16:creationId xmlns:a16="http://schemas.microsoft.com/office/drawing/2014/main" id="{E9C938BF-2ECA-0F24-A943-0C59E4E53930}"/>
               </a:ext>
             </a:extLst>
           </p:cNvPr>
@@ -43945,7 +43893,7 @@
           <p:cNvPr id="4" name="TextBox 3">
             <a:extLst>
               <a:ext uri="{FF2B5EF4-FFF2-40B4-BE49-F238E27FC236}">
-                <a16:creationId xmlns:a16="http://schemas.microsoft.com/office/drawing/2014/main" xmlns="" id="{1F0C5C1A-CEBF-6AA5-709A-90E06A32F2A9}"/>
+                <a16:creationId xmlns:a16="http://schemas.microsoft.com/office/drawing/2014/main" id="{1F0C5C1A-CEBF-6AA5-709A-90E06A32F2A9}"/>
               </a:ext>
             </a:extLst>
           </p:cNvPr>
@@ -43995,7 +43943,7 @@
           <p:cNvPr id="5" name="TextBox 4">
             <a:extLst>
               <a:ext uri="{FF2B5EF4-FFF2-40B4-BE49-F238E27FC236}">
-                <a16:creationId xmlns:a16="http://schemas.microsoft.com/office/drawing/2014/main" xmlns="" id="{C77F6601-49E6-1AD2-D85B-41117813B46E}"/>
+                <a16:creationId xmlns:a16="http://schemas.microsoft.com/office/drawing/2014/main" id="{C77F6601-49E6-1AD2-D85B-41117813B46E}"/>
               </a:ext>
             </a:extLst>
           </p:cNvPr>
@@ -44030,7 +43978,7 @@
           <p:cNvPr id="7" name="Рисунок 6">
             <a:extLst>
               <a:ext uri="{FF2B5EF4-FFF2-40B4-BE49-F238E27FC236}">
-                <a16:creationId xmlns:a16="http://schemas.microsoft.com/office/drawing/2014/main" xmlns="" id="{F3D88515-B2F5-167F-5608-0F8AA484A843}"/>
+                <a16:creationId xmlns:a16="http://schemas.microsoft.com/office/drawing/2014/main" id="{F3D88515-B2F5-167F-5608-0F8AA484A843}"/>
               </a:ext>
             </a:extLst>
           </p:cNvPr>
@@ -44060,7 +44008,7 @@
           <p:cNvPr id="8" name="Стрелка: вниз 7">
             <a:extLst>
               <a:ext uri="{FF2B5EF4-FFF2-40B4-BE49-F238E27FC236}">
-                <a16:creationId xmlns:a16="http://schemas.microsoft.com/office/drawing/2014/main" xmlns="" id="{88353233-1836-246D-26EF-FB8775AA6053}"/>
+                <a16:creationId xmlns:a16="http://schemas.microsoft.com/office/drawing/2014/main" id="{88353233-1836-246D-26EF-FB8775AA6053}"/>
               </a:ext>
             </a:extLst>
           </p:cNvPr>
@@ -44109,7 +44057,7 @@
           <p:cNvPr id="9" name="TextBox 8">
             <a:extLst>
               <a:ext uri="{FF2B5EF4-FFF2-40B4-BE49-F238E27FC236}">
-                <a16:creationId xmlns:a16="http://schemas.microsoft.com/office/drawing/2014/main" xmlns="" id="{B2028137-A6CB-9DA2-BA87-32C9FF97F548}"/>
+                <a16:creationId xmlns:a16="http://schemas.microsoft.com/office/drawing/2014/main" id="{B2028137-A6CB-9DA2-BA87-32C9FF97F548}"/>
               </a:ext>
             </a:extLst>
           </p:cNvPr>
@@ -44195,7 +44143,7 @@
         </p:spPr>
         <p:txBody>
           <a:bodyPr>
-            <a:normAutofit fontScale="90000"/>
+            <a:normAutofit/>
           </a:bodyPr>
           <a:lstStyle/>
           <a:p>
@@ -44211,7 +44159,7 @@
           <p:cNvPr id="3" name="Схема 2">
             <a:extLst>
               <a:ext uri="{FF2B5EF4-FFF2-40B4-BE49-F238E27FC236}">
-                <a16:creationId xmlns:a16="http://schemas.microsoft.com/office/drawing/2014/main" xmlns="" id="{49639D0A-0810-2AD9-20B1-1B16A462D8EA}"/>
+                <a16:creationId xmlns:a16="http://schemas.microsoft.com/office/drawing/2014/main" id="{49639D0A-0810-2AD9-20B1-1B16A462D8EA}"/>
               </a:ext>
             </a:extLst>
           </p:cNvPr>
@@ -44239,7 +44187,7 @@
           <p:cNvPr id="10" name="Google Shape;266;p22">
             <a:extLst>
               <a:ext uri="{FF2B5EF4-FFF2-40B4-BE49-F238E27FC236}">
-                <a16:creationId xmlns:a16="http://schemas.microsoft.com/office/drawing/2014/main" xmlns="" id="{D9DC3A76-F7D8-04AD-EF6D-574B2C94DD26}"/>
+                <a16:creationId xmlns:a16="http://schemas.microsoft.com/office/drawing/2014/main" id="{D9DC3A76-F7D8-04AD-EF6D-574B2C94DD26}"/>
               </a:ext>
             </a:extLst>
           </p:cNvPr>
@@ -44290,7 +44238,7 @@
           <p:cNvPr id="11" name="Google Shape;269;p22">
             <a:extLst>
               <a:ext uri="{FF2B5EF4-FFF2-40B4-BE49-F238E27FC236}">
-                <a16:creationId xmlns:a16="http://schemas.microsoft.com/office/drawing/2014/main" xmlns="" id="{D5E7ABA3-262E-A13B-2A70-DFC82A8D4257}"/>
+                <a16:creationId xmlns:a16="http://schemas.microsoft.com/office/drawing/2014/main" id="{D5E7ABA3-262E-A13B-2A70-DFC82A8D4257}"/>
               </a:ext>
             </a:extLst>
           </p:cNvPr>
@@ -44341,7 +44289,7 @@
           <p:cNvPr id="13" name="Рисунок 12">
             <a:extLst>
               <a:ext uri="{FF2B5EF4-FFF2-40B4-BE49-F238E27FC236}">
-                <a16:creationId xmlns:a16="http://schemas.microsoft.com/office/drawing/2014/main" xmlns="" id="{2AE35D77-E62F-14FE-2A31-535B37D0A477}"/>
+                <a16:creationId xmlns:a16="http://schemas.microsoft.com/office/drawing/2014/main" id="{2AE35D77-E62F-14FE-2A31-535B37D0A477}"/>
               </a:ext>
             </a:extLst>
           </p:cNvPr>
@@ -44371,7 +44319,7 @@
           <p:cNvPr id="14" name="Диаграмма 13">
             <a:extLst>
               <a:ext uri="{FF2B5EF4-FFF2-40B4-BE49-F238E27FC236}">
-                <a16:creationId xmlns:a16="http://schemas.microsoft.com/office/drawing/2014/main" xmlns="" id="{B3C3394D-152A-7AE8-1873-4CF107E628BA}"/>
+                <a16:creationId xmlns:a16="http://schemas.microsoft.com/office/drawing/2014/main" id="{B3C3394D-152A-7AE8-1873-4CF107E628BA}"/>
               </a:ext>
             </a:extLst>
           </p:cNvPr>
@@ -44401,7 +44349,7 @@
           <p:cNvPr id="15" name="TextBox 14">
             <a:extLst>
               <a:ext uri="{FF2B5EF4-FFF2-40B4-BE49-F238E27FC236}">
-                <a16:creationId xmlns:a16="http://schemas.microsoft.com/office/drawing/2014/main" xmlns="" id="{402F24E3-C925-28F2-157A-3951C9DA965D}"/>
+                <a16:creationId xmlns:a16="http://schemas.microsoft.com/office/drawing/2014/main" id="{402F24E3-C925-28F2-157A-3951C9DA965D}"/>
               </a:ext>
             </a:extLst>
           </p:cNvPr>
@@ -44450,7 +44398,7 @@
           <p:cNvPr id="16" name="TextBox 15">
             <a:extLst>
               <a:ext uri="{FF2B5EF4-FFF2-40B4-BE49-F238E27FC236}">
-                <a16:creationId xmlns:a16="http://schemas.microsoft.com/office/drawing/2014/main" xmlns="" id="{D1D71F98-9987-7A37-8E50-E9B3B49F641E}"/>
+                <a16:creationId xmlns:a16="http://schemas.microsoft.com/office/drawing/2014/main" id="{D1D71F98-9987-7A37-8E50-E9B3B49F641E}"/>
               </a:ext>
             </a:extLst>
           </p:cNvPr>
@@ -44495,7 +44443,7 @@
           <p:cNvPr id="1026" name="Picture 2">
             <a:extLst>
               <a:ext uri="{FF2B5EF4-FFF2-40B4-BE49-F238E27FC236}">
-                <a16:creationId xmlns:a16="http://schemas.microsoft.com/office/drawing/2014/main" xmlns="" id="{B396B3A9-8035-4C1B-0CB9-70E2F08D3C2F}"/>
+                <a16:creationId xmlns:a16="http://schemas.microsoft.com/office/drawing/2014/main" id="{B396B3A9-8035-4C1B-0CB9-70E2F08D3C2F}"/>
               </a:ext>
             </a:extLst>
           </p:cNvPr>
@@ -44542,7 +44490,7 @@
           <p:cNvPr id="17" name="TextBox 16">
             <a:extLst>
               <a:ext uri="{FF2B5EF4-FFF2-40B4-BE49-F238E27FC236}">
-                <a16:creationId xmlns:a16="http://schemas.microsoft.com/office/drawing/2014/main" xmlns="" id="{A65F03BC-D240-A92E-4DD3-B311AE8FB6F1}"/>
+                <a16:creationId xmlns:a16="http://schemas.microsoft.com/office/drawing/2014/main" id="{A65F03BC-D240-A92E-4DD3-B311AE8FB6F1}"/>
               </a:ext>
             </a:extLst>
           </p:cNvPr>
@@ -44589,7 +44537,7 @@
           <p:cNvPr id="19" name="TextBox 18">
             <a:extLst>
               <a:ext uri="{FF2B5EF4-FFF2-40B4-BE49-F238E27FC236}">
-                <a16:creationId xmlns:a16="http://schemas.microsoft.com/office/drawing/2014/main" xmlns="" id="{A65F03BC-D240-A92E-4DD3-B311AE8FB6F1}"/>
+                <a16:creationId xmlns:a16="http://schemas.microsoft.com/office/drawing/2014/main" id="{A65F03BC-D240-A92E-4DD3-B311AE8FB6F1}"/>
               </a:ext>
             </a:extLst>
           </p:cNvPr>
@@ -45683,7 +45631,7 @@
 <file path=ppt/theme/theme1.xml><?xml version="1.0" encoding="utf-8"?>
 <a:theme xmlns:a="http://schemas.openxmlformats.org/drawingml/2006/main" name="Контур">
   <a:themeElements>
-    <a:clrScheme name="Контур">
+    <a:clrScheme name="Другая 1">
       <a:dk1>
         <a:sysClr val="windowText" lastClr="000000"/>
       </a:dk1>
@@ -45715,7 +45663,7 @@
         <a:srgbClr val="8AC4A7"/>
       </a:accent6>
       <a:hlink>
-        <a:srgbClr val="B8FA56"/>
+        <a:srgbClr val="3C96DE"/>
       </a:hlink>
       <a:folHlink>
         <a:srgbClr val="7AF8CC"/>
@@ -45925,7 +45873,7 @@
   <a:extraClrSchemeLst/>
   <a:extLst>
     <a:ext uri="{05A4C25C-085E-4340-85A3-A5531E510DB2}">
-      <thm15:themeFamily xmlns:thm15="http://schemas.microsoft.com/office/thememl/2012/main" xmlns="" name="Circuit" id="{0AC2F7E7-15F5-431C-B2A2-456FE929F56C}" vid="{0911B802-464C-4241-8DD9-B60FF88E379F}"/>
+      <thm15:themeFamily xmlns:thm15="http://schemas.microsoft.com/office/thememl/2012/main" name="Circuit" id="{0AC2F7E7-15F5-431C-B2A2-456FE929F56C}" vid="{0911B802-464C-4241-8DD9-B60FF88E379F}"/>
     </a:ext>
   </a:extLst>
 </a:theme>
@@ -46220,7 +46168,7 @@
   <a:extraClrSchemeLst/>
   <a:extLst>
     <a:ext uri="{05A4C25C-085E-4340-85A3-A5531E510DB2}">
-      <thm15:themeFamily xmlns:thm15="http://schemas.microsoft.com/office/thememl/2012/main" xmlns="" name="Office Theme" id="{62F939B6-93AF-4DB8-9C6B-D6C7DFDC589F}" vid="{4A3C46E8-61CC-4603-A589-7422A47A8E4A}"/>
+      <thm15:themeFamily xmlns:thm15="http://schemas.microsoft.com/office/thememl/2012/main" name="Office Theme" id="{62F939B6-93AF-4DB8-9C6B-D6C7DFDC589F}" vid="{4A3C46E8-61CC-4603-A589-7422A47A8E4A}"/>
     </a:ext>
   </a:extLst>
 </a:theme>
